--- a/XP_Grupo_Lauro/O que é a metodologia XP (extreme Programming).pptx
+++ b/XP_Grupo_Lauro/O que é a metodologia XP (extreme Programming).pptx
@@ -1,36 +1,43 @@
 
 <file path=ppt/presentation.xml><?xml version="1.0" encoding="utf-8"?>
-<p:presentation xmlns:a="http://schemas.openxmlformats.org/drawingml/2006/main" xmlns:r="http://schemas.openxmlformats.org/officeDocument/2006/relationships" xmlns:p="http://schemas.openxmlformats.org/presentationml/2006/main" saveSubsetFonts="1" embedTrueTypeFonts="true">
+<p:presentation xmlns:a="http://schemas.openxmlformats.org/drawingml/2006/main" xmlns:r="http://schemas.openxmlformats.org/officeDocument/2006/relationships" xmlns:p="http://schemas.openxmlformats.org/presentationml/2006/main" embedTrueTypeFonts="1" saveSubsetFonts="1">
   <p:sldMasterIdLst>
     <p:sldMasterId id="2147483648" r:id="rId1"/>
   </p:sldMasterIdLst>
   <p:sldIdLst>
-    <p:sldId id="256" r:id="rId6"/>
-    <p:sldId id="257" r:id="rId7"/>
-    <p:sldId id="258" r:id="rId8"/>
-    <p:sldId id="259" r:id="rId9"/>
-    <p:sldId id="260" r:id="rId10"/>
-    <p:sldId id="261" r:id="rId11"/>
-    <p:sldId id="262" r:id="rId12"/>
+    <p:sldId id="256" r:id="rId2"/>
+    <p:sldId id="257" r:id="rId3"/>
+    <p:sldId id="258" r:id="rId4"/>
+    <p:sldId id="259" r:id="rId5"/>
+    <p:sldId id="260" r:id="rId6"/>
+    <p:sldId id="261" r:id="rId7"/>
+    <p:sldId id="262" r:id="rId8"/>
   </p:sldIdLst>
   <p:sldSz cx="18288000" cy="10287000"/>
   <p:notesSz cx="6858000" cy="9144000"/>
   <p:embeddedFontLst>
     <p:embeddedFont>
-      <p:font typeface="MediaPro Medium" charset="1" panose="00000600000000000000"/>
-      <p:regular r:id="rId13"/>
+      <p:font typeface="MediaPro Medium" panose="020B0604020202020204" charset="0"/>
+      <p:regular r:id="rId9"/>
     </p:embeddedFont>
     <p:embeddedFont>
-      <p:font typeface="Roboto Bold" charset="1" panose="02000000000000000000"/>
-      <p:regular r:id="rId14"/>
+      <p:font typeface="Roboto Bold" panose="020B0604020202020204" charset="0"/>
+      <p:regular r:id="rId10"/>
     </p:embeddedFont>
     <p:embeddedFont>
-      <p:font typeface="MediaPro" charset="1" panose="00000500000000000000"/>
-      <p:regular r:id="rId15"/>
+      <p:font typeface="MediaPro" panose="020B0604020202020204" charset="0"/>
+      <p:regular r:id="rId11"/>
     </p:embeddedFont>
     <p:embeddedFont>
-      <p:font typeface="MediaPro Light" charset="1" panose="00000400000000000000"/>
-      <p:regular r:id="rId16"/>
+      <p:font typeface="MediaPro Light" panose="020B0604020202020204" charset="0"/>
+      <p:regular r:id="rId12"/>
+    </p:embeddedFont>
+    <p:embeddedFont>
+      <p:font typeface="Calibri" panose="020F0502020204030204" pitchFamily="34" charset="0"/>
+      <p:regular r:id="rId13"/>
+      <p:bold r:id="rId14"/>
+      <p:italic r:id="rId15"/>
+      <p:boldItalic r:id="rId16"/>
     </p:embeddedFont>
   </p:embeddedFontLst>
   <p:defaultTextStyle>
@@ -128,6 +135,22 @@
       </a:defRPr>
     </a:lvl9pPr>
   </p:defaultTextStyle>
+  <p:extLst>
+    <p:ext uri="{EFAFB233-063F-42B5-8137-9DF3F51BA10A}">
+      <p15:sldGuideLst xmlns:p15="http://schemas.microsoft.com/office/powerpoint/2012/main">
+        <p15:guide id="1" orient="horz" pos="2160">
+          <p15:clr>
+            <a:srgbClr val="A4A3A4"/>
+          </p15:clr>
+        </p15:guide>
+        <p15:guide id="2" pos="2880">
+          <p15:clr>
+            <a:srgbClr val="A4A3A4"/>
+          </p15:clr>
+        </p15:guide>
+      </p15:sldGuideLst>
+    </p:ext>
+  </p:extLst>
 </p:presentation>
 </file>
 
@@ -313,7 +336,7 @@
             <a:fld id="{1D8BD707-D9CF-40AE-B4C6-C98DA3205C09}" type="datetimeFigureOut">
               <a:rPr lang="en-US" smtClean="0"/>
               <a:pPr/>
-              <a:t>8/1/2011</a:t>
+              <a:t>6/28/2024</a:t>
             </a:fld>
             <a:endParaRPr lang="en-US"/>
           </a:p>
@@ -356,7 +379,7 @@
             <a:fld id="{B6F15528-21DE-4FAA-801E-634DDDAF4B2B}" type="slidenum">
               <a:rPr lang="en-US" smtClean="0"/>
               <a:pPr/>
-              <a:t>‹#›</a:t>
+              <a:t>‹nº›</a:t>
             </a:fld>
             <a:endParaRPr lang="en-US"/>
           </a:p>
@@ -480,7 +503,7 @@
             <a:fld id="{1D8BD707-D9CF-40AE-B4C6-C98DA3205C09}" type="datetimeFigureOut">
               <a:rPr lang="en-US" smtClean="0"/>
               <a:pPr/>
-              <a:t>8/1/2011</a:t>
+              <a:t>6/28/2024</a:t>
             </a:fld>
             <a:endParaRPr lang="en-US"/>
           </a:p>
@@ -523,7 +546,7 @@
             <a:fld id="{B6F15528-21DE-4FAA-801E-634DDDAF4B2B}" type="slidenum">
               <a:rPr lang="en-US" smtClean="0"/>
               <a:pPr/>
-              <a:t>‹#›</a:t>
+              <a:t>‹nº›</a:t>
             </a:fld>
             <a:endParaRPr lang="en-US"/>
           </a:p>
@@ -657,7 +680,7 @@
             <a:fld id="{1D8BD707-D9CF-40AE-B4C6-C98DA3205C09}" type="datetimeFigureOut">
               <a:rPr lang="en-US" smtClean="0"/>
               <a:pPr/>
-              <a:t>8/1/2011</a:t>
+              <a:t>6/28/2024</a:t>
             </a:fld>
             <a:endParaRPr lang="en-US"/>
           </a:p>
@@ -700,7 +723,7 @@
             <a:fld id="{B6F15528-21DE-4FAA-801E-634DDDAF4B2B}" type="slidenum">
               <a:rPr lang="en-US" smtClean="0"/>
               <a:pPr/>
-              <a:t>‹#›</a:t>
+              <a:t>‹nº›</a:t>
             </a:fld>
             <a:endParaRPr lang="en-US"/>
           </a:p>
@@ -824,7 +847,7 @@
             <a:fld id="{1D8BD707-D9CF-40AE-B4C6-C98DA3205C09}" type="datetimeFigureOut">
               <a:rPr lang="en-US" smtClean="0"/>
               <a:pPr/>
-              <a:t>8/1/2011</a:t>
+              <a:t>6/28/2024</a:t>
             </a:fld>
             <a:endParaRPr lang="en-US"/>
           </a:p>
@@ -867,7 +890,7 @@
             <a:fld id="{B6F15528-21DE-4FAA-801E-634DDDAF4B2B}" type="slidenum">
               <a:rPr lang="en-US" smtClean="0"/>
               <a:pPr/>
-              <a:t>‹#›</a:t>
+              <a:t>‹nº›</a:t>
             </a:fld>
             <a:endParaRPr lang="en-US"/>
           </a:p>
@@ -1067,7 +1090,7 @@
             <a:fld id="{1D8BD707-D9CF-40AE-B4C6-C98DA3205C09}" type="datetimeFigureOut">
               <a:rPr lang="en-US" smtClean="0"/>
               <a:pPr/>
-              <a:t>8/1/2011</a:t>
+              <a:t>6/28/2024</a:t>
             </a:fld>
             <a:endParaRPr lang="en-US"/>
           </a:p>
@@ -1110,7 +1133,7 @@
             <a:fld id="{B6F15528-21DE-4FAA-801E-634DDDAF4B2B}" type="slidenum">
               <a:rPr lang="en-US" smtClean="0"/>
               <a:pPr/>
-              <a:t>‹#›</a:t>
+              <a:t>‹nº›</a:t>
             </a:fld>
             <a:endParaRPr lang="en-US"/>
           </a:p>
@@ -1352,7 +1375,7 @@
             <a:fld id="{1D8BD707-D9CF-40AE-B4C6-C98DA3205C09}" type="datetimeFigureOut">
               <a:rPr lang="en-US" smtClean="0"/>
               <a:pPr/>
-              <a:t>8/1/2011</a:t>
+              <a:t>6/28/2024</a:t>
             </a:fld>
             <a:endParaRPr lang="en-US"/>
           </a:p>
@@ -1395,7 +1418,7 @@
             <a:fld id="{B6F15528-21DE-4FAA-801E-634DDDAF4B2B}" type="slidenum">
               <a:rPr lang="en-US" smtClean="0"/>
               <a:pPr/>
-              <a:t>‹#›</a:t>
+              <a:t>‹nº›</a:t>
             </a:fld>
             <a:endParaRPr lang="en-US"/>
           </a:p>
@@ -1771,7 +1794,7 @@
             <a:fld id="{1D8BD707-D9CF-40AE-B4C6-C98DA3205C09}" type="datetimeFigureOut">
               <a:rPr lang="en-US" smtClean="0"/>
               <a:pPr/>
-              <a:t>8/1/2011</a:t>
+              <a:t>6/28/2024</a:t>
             </a:fld>
             <a:endParaRPr lang="en-US"/>
           </a:p>
@@ -1814,7 +1837,7 @@
             <a:fld id="{B6F15528-21DE-4FAA-801E-634DDDAF4B2B}" type="slidenum">
               <a:rPr lang="en-US" smtClean="0"/>
               <a:pPr/>
-              <a:t>‹#›</a:t>
+              <a:t>‹nº›</a:t>
             </a:fld>
             <a:endParaRPr lang="en-US"/>
           </a:p>
@@ -1886,7 +1909,7 @@
             <a:fld id="{1D8BD707-D9CF-40AE-B4C6-C98DA3205C09}" type="datetimeFigureOut">
               <a:rPr lang="en-US" smtClean="0"/>
               <a:pPr/>
-              <a:t>8/1/2011</a:t>
+              <a:t>6/28/2024</a:t>
             </a:fld>
             <a:endParaRPr lang="en-US"/>
           </a:p>
@@ -1929,7 +1952,7 @@
             <a:fld id="{B6F15528-21DE-4FAA-801E-634DDDAF4B2B}" type="slidenum">
               <a:rPr lang="en-US" smtClean="0"/>
               <a:pPr/>
-              <a:t>‹#›</a:t>
+              <a:t>‹nº›</a:t>
             </a:fld>
             <a:endParaRPr lang="en-US"/>
           </a:p>
@@ -1978,7 +2001,7 @@
             <a:fld id="{1D8BD707-D9CF-40AE-B4C6-C98DA3205C09}" type="datetimeFigureOut">
               <a:rPr lang="en-US" smtClean="0"/>
               <a:pPr/>
-              <a:t>8/1/2011</a:t>
+              <a:t>6/28/2024</a:t>
             </a:fld>
             <a:endParaRPr lang="en-US"/>
           </a:p>
@@ -2021,7 +2044,7 @@
             <a:fld id="{B6F15528-21DE-4FAA-801E-634DDDAF4B2B}" type="slidenum">
               <a:rPr lang="en-US" smtClean="0"/>
               <a:pPr/>
-              <a:t>‹#›</a:t>
+              <a:t>‹nº›</a:t>
             </a:fld>
             <a:endParaRPr lang="en-US"/>
           </a:p>
@@ -2252,7 +2275,7 @@
             <a:fld id="{1D8BD707-D9CF-40AE-B4C6-C98DA3205C09}" type="datetimeFigureOut">
               <a:rPr lang="en-US" smtClean="0"/>
               <a:pPr/>
-              <a:t>8/1/2011</a:t>
+              <a:t>6/28/2024</a:t>
             </a:fld>
             <a:endParaRPr lang="en-US"/>
           </a:p>
@@ -2295,7 +2318,7 @@
             <a:fld id="{B6F15528-21DE-4FAA-801E-634DDDAF4B2B}" type="slidenum">
               <a:rPr lang="en-US" smtClean="0"/>
               <a:pPr/>
-              <a:t>‹#›</a:t>
+              <a:t>‹nº›</a:t>
             </a:fld>
             <a:endParaRPr lang="en-US"/>
           </a:p>
@@ -2502,7 +2525,7 @@
             <a:fld id="{1D8BD707-D9CF-40AE-B4C6-C98DA3205C09}" type="datetimeFigureOut">
               <a:rPr lang="en-US" smtClean="0"/>
               <a:pPr/>
-              <a:t>8/1/2011</a:t>
+              <a:t>6/28/2024</a:t>
             </a:fld>
             <a:endParaRPr lang="en-US"/>
           </a:p>
@@ -2545,7 +2568,7 @@
             <a:fld id="{B6F15528-21DE-4FAA-801E-634DDDAF4B2B}" type="slidenum">
               <a:rPr lang="en-US" smtClean="0"/>
               <a:pPr/>
-              <a:t>‹#›</a:t>
+              <a:t>‹nº›</a:t>
             </a:fld>
             <a:endParaRPr lang="en-US"/>
           </a:p>
@@ -2712,7 +2735,7 @@
             <a:fld id="{1D8BD707-D9CF-40AE-B4C6-C98DA3205C09}" type="datetimeFigureOut">
               <a:rPr lang="en-US" smtClean="0"/>
               <a:pPr/>
-              <a:t>8/1/2011</a:t>
+              <a:t>6/28/2024</a:t>
             </a:fld>
             <a:endParaRPr lang="en-US"/>
           </a:p>
@@ -2791,7 +2814,7 @@
             <a:fld id="{B6F15528-21DE-4FAA-801E-634DDDAF4B2B}" type="slidenum">
               <a:rPr lang="en-US" smtClean="0"/>
               <a:pPr/>
-              <a:t>‹#›</a:t>
+              <a:t>‹nº›</a:t>
             </a:fld>
             <a:endParaRPr lang="en-US"/>
           </a:p>
@@ -3067,13 +3090,14 @@
 </file>
 
 <file path=ppt/slides/slide1.xml><?xml version="1.0" encoding="utf-8"?>
-<p:sld xmlns:p="http://schemas.openxmlformats.org/presentationml/2006/main" xmlns:a="http://schemas.openxmlformats.org/drawingml/2006/main" xmlns:r="http://schemas.openxmlformats.org/officeDocument/2006/relationships">
+<p:sld xmlns:a="http://schemas.openxmlformats.org/drawingml/2006/main" xmlns:r="http://schemas.openxmlformats.org/officeDocument/2006/relationships" xmlns:p="http://schemas.openxmlformats.org/presentationml/2006/main">
   <p:cSld>
     <p:bg>
       <p:bgPr>
         <a:solidFill>
           <a:srgbClr val="202E32"/>
         </a:solidFill>
+        <a:effectLst/>
       </p:bgPr>
     </p:bg>
     <p:spTree>
@@ -3092,12 +3116,12 @@
       </p:grpSpPr>
       <p:sp>
         <p:nvSpPr>
-          <p:cNvPr name="TextBox 2" id="2"/>
-          <p:cNvSpPr txBox="true"/>
+          <p:cNvPr id="2" name="TextBox 2"/>
+          <p:cNvSpPr txBox="1"/>
           <p:nvPr/>
         </p:nvSpPr>
         <p:spPr>
-          <a:xfrm rot="0">
+          <a:xfrm>
             <a:off x="7049264" y="3593083"/>
             <a:ext cx="10556807" cy="1897761"/>
           </a:xfrm>
@@ -3106,7 +3130,7 @@
           </a:prstGeom>
         </p:spPr>
         <p:txBody>
-          <a:bodyPr anchor="t" rtlCol="false" tIns="0" lIns="0" bIns="0" rIns="0">
+          <a:bodyPr lIns="0" tIns="0" rIns="0" bIns="0" rtlCol="0" anchor="t">
             <a:spAutoFit/>
           </a:bodyPr>
           <a:lstStyle/>
@@ -3164,12 +3188,12 @@
       </p:sp>
       <p:sp>
         <p:nvSpPr>
-          <p:cNvPr name="Freeform 3" id="3"/>
+          <p:cNvPr id="3" name="Freeform 3"/>
           <p:cNvSpPr/>
           <p:nvPr/>
         </p:nvSpPr>
         <p:spPr>
-          <a:xfrm flipH="false" flipV="false" rot="0">
+          <a:xfrm>
             <a:off x="742519" y="-2324089"/>
             <a:ext cx="6755642" cy="4114800"/>
           </a:xfrm>
@@ -3178,9 +3202,9 @@
             <a:gdLst/>
             <a:ahLst/>
             <a:cxnLst/>
-            <a:rect r="r" b="b" t="t" l="l"/>
+            <a:rect l="l" t="t" r="r" b="b"/>
             <a:pathLst>
-              <a:path h="4114800" w="6755642">
+              <a:path w="6755642" h="4114800">
                 <a:moveTo>
                   <a:pt x="0" y="0"/>
                 </a:moveTo>
@@ -3204,24 +3228,24 @@
             <a:blip r:embed="rId2">
               <a:extLst>
                 <a:ext uri="{96DAC541-7B7A-43D3-8B79-37D633B846F1}">
-                  <asvg:svgBlip xmlns:asvg="http://schemas.microsoft.com/office/drawing/2016/SVG/main" r:embed="rId3"/>
+                  <asvg:svgBlip xmlns:asvg="http://schemas.microsoft.com/office/drawing/2016/SVG/main" xmlns="" r:embed="rId3"/>
                 </a:ext>
               </a:extLst>
             </a:blip>
             <a:stretch>
-              <a:fillRect l="0" t="0" r="0" b="0"/>
+              <a:fillRect/>
             </a:stretch>
           </a:blipFill>
         </p:spPr>
       </p:sp>
       <p:sp>
         <p:nvSpPr>
-          <p:cNvPr name="Freeform 4" id="4"/>
+          <p:cNvPr id="4" name="Freeform 4"/>
           <p:cNvSpPr/>
           <p:nvPr/>
         </p:nvSpPr>
         <p:spPr>
-          <a:xfrm flipH="false" flipV="false" rot="0">
+          <a:xfrm>
             <a:off x="5434864" y="986259"/>
             <a:ext cx="1194327" cy="2586142"/>
           </a:xfrm>
@@ -3230,9 +3254,9 @@
             <a:gdLst/>
             <a:ahLst/>
             <a:cxnLst/>
-            <a:rect r="r" b="b" t="t" l="l"/>
+            <a:rect l="l" t="t" r="r" b="b"/>
             <a:pathLst>
-              <a:path h="2586142" w="1194327">
+              <a:path w="1194327" h="2586142">
                 <a:moveTo>
                   <a:pt x="0" y="0"/>
                 </a:moveTo>
@@ -3256,24 +3280,24 @@
             <a:blip r:embed="rId4">
               <a:extLst>
                 <a:ext uri="{96DAC541-7B7A-43D3-8B79-37D633B846F1}">
-                  <asvg:svgBlip xmlns:asvg="http://schemas.microsoft.com/office/drawing/2016/SVG/main" r:embed="rId5"/>
+                  <asvg:svgBlip xmlns:asvg="http://schemas.microsoft.com/office/drawing/2016/SVG/main" xmlns="" r:embed="rId5"/>
                 </a:ext>
               </a:extLst>
             </a:blip>
             <a:stretch>
-              <a:fillRect l="0" t="0" r="0" b="0"/>
+              <a:fillRect/>
             </a:stretch>
           </a:blipFill>
         </p:spPr>
       </p:sp>
       <p:sp>
         <p:nvSpPr>
-          <p:cNvPr name="Freeform 5" id="5"/>
+          <p:cNvPr id="5" name="Freeform 5"/>
           <p:cNvSpPr/>
           <p:nvPr/>
         </p:nvSpPr>
         <p:spPr>
-          <a:xfrm flipH="true" flipV="false" rot="0">
+          <a:xfrm flipH="1">
             <a:off x="1271439" y="1310400"/>
             <a:ext cx="5357753" cy="5591583"/>
           </a:xfrm>
@@ -3282,9 +3306,9 @@
             <a:gdLst/>
             <a:ahLst/>
             <a:cxnLst/>
-            <a:rect r="r" b="b" t="t" l="l"/>
+            <a:rect l="l" t="t" r="r" b="b"/>
             <a:pathLst>
-              <a:path h="5591583" w="5357753">
+              <a:path w="5357753" h="5591583">
                 <a:moveTo>
                   <a:pt x="5357753" y="0"/>
                 </a:moveTo>
@@ -3308,24 +3332,24 @@
             <a:blip r:embed="rId6">
               <a:extLst>
                 <a:ext uri="{96DAC541-7B7A-43D3-8B79-37D633B846F1}">
-                  <asvg:svgBlip xmlns:asvg="http://schemas.microsoft.com/office/drawing/2016/SVG/main" r:embed="rId7"/>
+                  <asvg:svgBlip xmlns:asvg="http://schemas.microsoft.com/office/drawing/2016/SVG/main" xmlns="" r:embed="rId7"/>
                 </a:ext>
               </a:extLst>
             </a:blip>
             <a:stretch>
-              <a:fillRect l="0" t="0" r="0" b="0"/>
+              <a:fillRect/>
             </a:stretch>
           </a:blipFill>
         </p:spPr>
       </p:sp>
       <p:sp>
         <p:nvSpPr>
-          <p:cNvPr name="Freeform 6" id="6"/>
+          <p:cNvPr id="6" name="Freeform 6"/>
           <p:cNvSpPr/>
           <p:nvPr/>
         </p:nvSpPr>
         <p:spPr>
-          <a:xfrm flipH="false" flipV="false" rot="0">
+          <a:xfrm>
             <a:off x="-1572020" y="570252"/>
             <a:ext cx="3144039" cy="2440918"/>
           </a:xfrm>
@@ -3334,9 +3358,9 @@
             <a:gdLst/>
             <a:ahLst/>
             <a:cxnLst/>
-            <a:rect r="r" b="b" t="t" l="l"/>
+            <a:rect l="l" t="t" r="r" b="b"/>
             <a:pathLst>
-              <a:path h="2440918" w="3144039">
+              <a:path w="3144039" h="2440918">
                 <a:moveTo>
                   <a:pt x="0" y="0"/>
                 </a:moveTo>
@@ -3360,24 +3384,24 @@
             <a:blip r:embed="rId8">
               <a:extLst>
                 <a:ext uri="{96DAC541-7B7A-43D3-8B79-37D633B846F1}">
-                  <asvg:svgBlip xmlns:asvg="http://schemas.microsoft.com/office/drawing/2016/SVG/main" r:embed="rId9"/>
+                  <asvg:svgBlip xmlns:asvg="http://schemas.microsoft.com/office/drawing/2016/SVG/main" xmlns="" r:embed="rId9"/>
                 </a:ext>
               </a:extLst>
             </a:blip>
             <a:stretch>
-              <a:fillRect l="0" t="0" r="0" b="0"/>
+              <a:fillRect/>
             </a:stretch>
           </a:blipFill>
         </p:spPr>
       </p:sp>
       <p:sp>
         <p:nvSpPr>
-          <p:cNvPr name="Freeform 7" id="7"/>
+          <p:cNvPr id="7" name="Freeform 7"/>
           <p:cNvSpPr/>
           <p:nvPr/>
         </p:nvSpPr>
         <p:spPr>
-          <a:xfrm flipH="false" flipV="false" rot="0">
+          <a:xfrm>
             <a:off x="81552" y="4484814"/>
             <a:ext cx="1894295" cy="4252500"/>
           </a:xfrm>
@@ -3386,9 +3410,9 @@
             <a:gdLst/>
             <a:ahLst/>
             <a:cxnLst/>
-            <a:rect r="r" b="b" t="t" l="l"/>
+            <a:rect l="l" t="t" r="r" b="b"/>
             <a:pathLst>
-              <a:path h="4252500" w="1894295">
+              <a:path w="1894295" h="4252500">
                 <a:moveTo>
                   <a:pt x="0" y="0"/>
                 </a:moveTo>
@@ -3412,24 +3436,24 @@
             <a:blip r:embed="rId10">
               <a:extLst>
                 <a:ext uri="{96DAC541-7B7A-43D3-8B79-37D633B846F1}">
-                  <asvg:svgBlip xmlns:asvg="http://schemas.microsoft.com/office/drawing/2016/SVG/main" r:embed="rId11"/>
+                  <asvg:svgBlip xmlns:asvg="http://schemas.microsoft.com/office/drawing/2016/SVG/main" xmlns="" r:embed="rId11"/>
                 </a:ext>
               </a:extLst>
             </a:blip>
             <a:stretch>
-              <a:fillRect l="0" t="0" r="0" b="0"/>
+              <a:fillRect/>
             </a:stretch>
           </a:blipFill>
         </p:spPr>
       </p:sp>
       <p:sp>
         <p:nvSpPr>
-          <p:cNvPr name="Freeform 8" id="8"/>
+          <p:cNvPr id="8" name="Freeform 8"/>
           <p:cNvSpPr/>
           <p:nvPr/>
         </p:nvSpPr>
         <p:spPr>
-          <a:xfrm flipH="false" flipV="false" rot="0">
+          <a:xfrm>
             <a:off x="1975848" y="6611063"/>
             <a:ext cx="3486358" cy="4114800"/>
           </a:xfrm>
@@ -3438,9 +3462,9 @@
             <a:gdLst/>
             <a:ahLst/>
             <a:cxnLst/>
-            <a:rect r="r" b="b" t="t" l="l"/>
+            <a:rect l="l" t="t" r="r" b="b"/>
             <a:pathLst>
-              <a:path h="4114800" w="3486358">
+              <a:path w="3486358" h="4114800">
                 <a:moveTo>
                   <a:pt x="0" y="0"/>
                 </a:moveTo>
@@ -3464,24 +3488,24 @@
             <a:blip r:embed="rId12">
               <a:extLst>
                 <a:ext uri="{96DAC541-7B7A-43D3-8B79-37D633B846F1}">
-                  <asvg:svgBlip xmlns:asvg="http://schemas.microsoft.com/office/drawing/2016/SVG/main" r:embed="rId13"/>
+                  <asvg:svgBlip xmlns:asvg="http://schemas.microsoft.com/office/drawing/2016/SVG/main" xmlns="" r:embed="rId13"/>
                 </a:ext>
               </a:extLst>
             </a:blip>
             <a:stretch>
-              <a:fillRect l="0" t="0" r="0" b="0"/>
+              <a:fillRect/>
             </a:stretch>
           </a:blipFill>
         </p:spPr>
       </p:sp>
       <p:sp>
         <p:nvSpPr>
-          <p:cNvPr name="TextBox 9" id="9"/>
-          <p:cNvSpPr txBox="true"/>
+          <p:cNvPr id="9" name="TextBox 9"/>
+          <p:cNvSpPr txBox="1"/>
           <p:nvPr/>
         </p:nvSpPr>
         <p:spPr>
-          <a:xfrm rot="0">
+          <a:xfrm>
             <a:off x="5162941" y="9182100"/>
             <a:ext cx="12810764" cy="533272"/>
           </a:xfrm>
@@ -3490,7 +3514,7 @@
           </a:prstGeom>
         </p:spPr>
         <p:txBody>
-          <a:bodyPr anchor="t" rtlCol="false" tIns="0" lIns="0" bIns="0" rIns="0">
+          <a:bodyPr lIns="0" tIns="0" rIns="0" bIns="0" rtlCol="0" anchor="t">
             <a:spAutoFit/>
           </a:bodyPr>
           <a:lstStyle/>
@@ -3544,17 +3568,25 @@
   <p:clrMapOvr>
     <a:masterClrMapping/>
   </p:clrMapOvr>
+  <p:timing>
+    <p:tnLst>
+      <p:par>
+        <p:cTn id="1" dur="indefinite" restart="never" nodeType="tmRoot"/>
+      </p:par>
+    </p:tnLst>
+  </p:timing>
 </p:sld>
 </file>
 
 <file path=ppt/slides/slide2.xml><?xml version="1.0" encoding="utf-8"?>
-<p:sld xmlns:p="http://schemas.openxmlformats.org/presentationml/2006/main" xmlns:a="http://schemas.openxmlformats.org/drawingml/2006/main" xmlns:r="http://schemas.openxmlformats.org/officeDocument/2006/relationships">
+<p:sld xmlns:a="http://schemas.openxmlformats.org/drawingml/2006/main" xmlns:r="http://schemas.openxmlformats.org/officeDocument/2006/relationships" xmlns:p="http://schemas.openxmlformats.org/presentationml/2006/main">
   <p:cSld>
     <p:bg>
       <p:bgPr>
         <a:solidFill>
           <a:srgbClr val="53727C"/>
         </a:solidFill>
+        <a:effectLst/>
       </p:bgPr>
     </p:bg>
     <p:spTree>
@@ -3573,12 +3605,12 @@
       </p:grpSpPr>
       <p:sp>
         <p:nvSpPr>
-          <p:cNvPr name="Freeform 2" id="2"/>
+          <p:cNvPr id="2" name="Freeform 2"/>
           <p:cNvSpPr/>
           <p:nvPr/>
         </p:nvSpPr>
         <p:spPr>
-          <a:xfrm flipH="false" flipV="false" rot="0">
+          <a:xfrm>
             <a:off x="13156163" y="5872081"/>
             <a:ext cx="5327828" cy="4271949"/>
           </a:xfrm>
@@ -3587,9 +3619,9 @@
             <a:gdLst/>
             <a:ahLst/>
             <a:cxnLst/>
-            <a:rect r="r" b="b" t="t" l="l"/>
+            <a:rect l="l" t="t" r="r" b="b"/>
             <a:pathLst>
-              <a:path h="4271949" w="5327828">
+              <a:path w="5327828" h="4271949">
                 <a:moveTo>
                   <a:pt x="0" y="0"/>
                 </a:moveTo>
@@ -3614,24 +3646,24 @@
               <a:alphaModFix amt="51000"/>
               <a:extLst>
                 <a:ext uri="{96DAC541-7B7A-43D3-8B79-37D633B846F1}">
-                  <asvg:svgBlip xmlns:asvg="http://schemas.microsoft.com/office/drawing/2016/SVG/main" r:embed="rId3"/>
+                  <asvg:svgBlip xmlns:asvg="http://schemas.microsoft.com/office/drawing/2016/SVG/main" xmlns="" r:embed="rId3"/>
                 </a:ext>
               </a:extLst>
             </a:blip>
             <a:stretch>
-              <a:fillRect l="0" t="0" r="0" b="0"/>
+              <a:fillRect/>
             </a:stretch>
           </a:blipFill>
         </p:spPr>
       </p:sp>
       <p:sp>
         <p:nvSpPr>
-          <p:cNvPr name="Freeform 3" id="3"/>
+          <p:cNvPr id="3" name="Freeform 3"/>
           <p:cNvSpPr/>
           <p:nvPr/>
         </p:nvSpPr>
         <p:spPr>
-          <a:xfrm flipH="false" flipV="false" rot="0">
+          <a:xfrm>
             <a:off x="11652348" y="812468"/>
             <a:ext cx="5606952" cy="4926259"/>
           </a:xfrm>
@@ -3640,9 +3672,9 @@
             <a:gdLst/>
             <a:ahLst/>
             <a:cxnLst/>
-            <a:rect r="r" b="b" t="t" l="l"/>
+            <a:rect l="l" t="t" r="r" b="b"/>
             <a:pathLst>
-              <a:path h="4926259" w="5606952">
+              <a:path w="5606952" h="4926259">
                 <a:moveTo>
                   <a:pt x="0" y="0"/>
                 </a:moveTo>
@@ -3665,7 +3697,7 @@
           <a:blipFill>
             <a:blip r:embed="rId4"/>
             <a:stretch>
-              <a:fillRect l="-8788" t="-368" r="-8788" b="0"/>
+              <a:fillRect l="-8788" t="-368" r="-8788"/>
             </a:stretch>
           </a:blipFill>
           <a:ln w="76200" cap="sq">
@@ -3679,12 +3711,12 @@
       </p:sp>
       <p:sp>
         <p:nvSpPr>
-          <p:cNvPr name="TextBox 4" id="4"/>
-          <p:cNvSpPr txBox="true"/>
+          <p:cNvPr id="4" name="TextBox 4"/>
+          <p:cNvSpPr txBox="1"/>
           <p:nvPr/>
         </p:nvSpPr>
         <p:spPr>
-          <a:xfrm rot="0">
+          <a:xfrm>
             <a:off x="1187133" y="1822910"/>
             <a:ext cx="7778297" cy="1896255"/>
           </a:xfrm>
@@ -3693,7 +3725,7 @@
           </a:prstGeom>
         </p:spPr>
         <p:txBody>
-          <a:bodyPr anchor="t" rtlCol="false" tIns="0" lIns="0" bIns="0" rIns="0">
+          <a:bodyPr lIns="0" tIns="0" rIns="0" bIns="0" rtlCol="0" anchor="t">
             <a:spAutoFit/>
           </a:bodyPr>
           <a:lstStyle/>
@@ -3717,12 +3749,12 @@
       </p:sp>
       <p:sp>
         <p:nvSpPr>
-          <p:cNvPr name="TextBox 5" id="5"/>
-          <p:cNvSpPr txBox="true"/>
+          <p:cNvPr id="5" name="TextBox 5"/>
+          <p:cNvSpPr txBox="1"/>
           <p:nvPr/>
         </p:nvSpPr>
         <p:spPr>
-          <a:xfrm rot="0">
+          <a:xfrm>
             <a:off x="532689" y="4648254"/>
             <a:ext cx="9592977" cy="2438129"/>
           </a:xfrm>
@@ -3731,12 +3763,12 @@
           </a:prstGeom>
         </p:spPr>
         <p:txBody>
-          <a:bodyPr anchor="t" rtlCol="false" tIns="0" lIns="0" bIns="0" rIns="0">
+          <a:bodyPr lIns="0" tIns="0" rIns="0" bIns="0" rtlCol="0" anchor="t">
             <a:spAutoFit/>
           </a:bodyPr>
           <a:lstStyle/>
           <a:p>
-            <a:pPr algn="l" marL="690881" indent="-345440" lvl="1">
+            <a:pPr marL="690881" lvl="1" indent="-345440" algn="l">
               <a:lnSpc>
                 <a:spcPts val="3840"/>
               </a:lnSpc>
@@ -3754,7 +3786,7 @@
             </a:r>
           </a:p>
           <a:p>
-            <a:pPr algn="l" marL="690881" indent="-345440" lvl="1">
+            <a:pPr marL="690881" lvl="1" indent="-345440" algn="l">
               <a:lnSpc>
                 <a:spcPts val="3840"/>
               </a:lnSpc>
@@ -3772,7 +3804,7 @@
             </a:r>
           </a:p>
           <a:p>
-            <a:pPr algn="l" marL="690881" indent="-345440" lvl="1">
+            <a:pPr marL="690881" lvl="1" indent="-345440" algn="l">
               <a:lnSpc>
                 <a:spcPts val="3840"/>
               </a:lnSpc>
@@ -3790,7 +3822,7 @@
             </a:r>
           </a:p>
           <a:p>
-            <a:pPr algn="l" marL="690881" indent="-345440" lvl="1">
+            <a:pPr marL="690881" lvl="1" indent="-345440" algn="l">
               <a:lnSpc>
                 <a:spcPts val="3840"/>
               </a:lnSpc>
@@ -3811,12 +3843,12 @@
       </p:sp>
       <p:sp>
         <p:nvSpPr>
-          <p:cNvPr name="TextBox 6" id="6"/>
-          <p:cNvSpPr txBox="true"/>
+          <p:cNvPr id="6" name="TextBox 6"/>
+          <p:cNvSpPr txBox="1"/>
           <p:nvPr/>
         </p:nvSpPr>
         <p:spPr>
-          <a:xfrm rot="0">
+          <a:xfrm>
             <a:off x="13751051" y="5862556"/>
             <a:ext cx="4392724" cy="323823"/>
           </a:xfrm>
@@ -3825,7 +3857,7 @@
           </a:prstGeom>
         </p:spPr>
         <p:txBody>
-          <a:bodyPr anchor="t" rtlCol="false" tIns="0" lIns="0" bIns="0" rIns="0">
+          <a:bodyPr lIns="0" tIns="0" rIns="0" bIns="0" rtlCol="0" anchor="t">
             <a:spAutoFit/>
           </a:bodyPr>
           <a:lstStyle/>
@@ -3852,17 +3884,25 @@
   <p:clrMapOvr>
     <a:masterClrMapping/>
   </p:clrMapOvr>
+  <p:timing>
+    <p:tnLst>
+      <p:par>
+        <p:cTn id="1" dur="indefinite" restart="never" nodeType="tmRoot"/>
+      </p:par>
+    </p:tnLst>
+  </p:timing>
 </p:sld>
 </file>
 
 <file path=ppt/slides/slide3.xml><?xml version="1.0" encoding="utf-8"?>
-<p:sld xmlns:p="http://schemas.openxmlformats.org/presentationml/2006/main" xmlns:a="http://schemas.openxmlformats.org/drawingml/2006/main" xmlns:r="http://schemas.openxmlformats.org/officeDocument/2006/relationships">
+<p:sld xmlns:a="http://schemas.openxmlformats.org/drawingml/2006/main" xmlns:r="http://schemas.openxmlformats.org/officeDocument/2006/relationships" xmlns:p="http://schemas.openxmlformats.org/presentationml/2006/main">
   <p:cSld>
     <p:bg>
       <p:bgPr>
         <a:solidFill>
           <a:srgbClr val="202E32"/>
         </a:solidFill>
+        <a:effectLst/>
       </p:bgPr>
     </p:bg>
     <p:spTree>
@@ -3881,12 +3921,12 @@
       </p:grpSpPr>
       <p:sp>
         <p:nvSpPr>
-          <p:cNvPr name="Freeform 2" id="2"/>
+          <p:cNvPr id="2" name="Freeform 2"/>
           <p:cNvSpPr/>
           <p:nvPr/>
         </p:nvSpPr>
         <p:spPr>
-          <a:xfrm flipH="false" flipV="false" rot="0">
+          <a:xfrm>
             <a:off x="13717370" y="2512690"/>
             <a:ext cx="1960248" cy="4244632"/>
           </a:xfrm>
@@ -3895,9 +3935,9 @@
             <a:gdLst/>
             <a:ahLst/>
             <a:cxnLst/>
-            <a:rect r="r" b="b" t="t" l="l"/>
+            <a:rect l="l" t="t" r="r" b="b"/>
             <a:pathLst>
-              <a:path h="4244632" w="1960248">
+              <a:path w="1960248" h="4244632">
                 <a:moveTo>
                   <a:pt x="0" y="0"/>
                 </a:moveTo>
@@ -3922,24 +3962,24 @@
               <a:alphaModFix amt="12000"/>
               <a:extLst>
                 <a:ext uri="{96DAC541-7B7A-43D3-8B79-37D633B846F1}">
-                  <asvg:svgBlip xmlns:asvg="http://schemas.microsoft.com/office/drawing/2016/SVG/main" r:embed="rId3"/>
+                  <asvg:svgBlip xmlns:asvg="http://schemas.microsoft.com/office/drawing/2016/SVG/main" xmlns="" r:embed="rId3"/>
                 </a:ext>
               </a:extLst>
             </a:blip>
             <a:stretch>
-              <a:fillRect l="0" t="0" r="0" b="0"/>
+              <a:fillRect/>
             </a:stretch>
           </a:blipFill>
         </p:spPr>
       </p:sp>
       <p:sp>
         <p:nvSpPr>
-          <p:cNvPr name="Freeform 3" id="3"/>
+          <p:cNvPr id="3" name="Freeform 3"/>
           <p:cNvSpPr/>
           <p:nvPr/>
         </p:nvSpPr>
         <p:spPr>
-          <a:xfrm flipH="true" flipV="false" rot="0">
+          <a:xfrm flipH="1">
             <a:off x="4923695" y="824240"/>
             <a:ext cx="8793675" cy="9177460"/>
           </a:xfrm>
@@ -3948,9 +3988,9 @@
             <a:gdLst/>
             <a:ahLst/>
             <a:cxnLst/>
-            <a:rect r="r" b="b" t="t" l="l"/>
+            <a:rect l="l" t="t" r="r" b="b"/>
             <a:pathLst>
-              <a:path h="9177460" w="8793675">
+              <a:path w="8793675" h="9177460">
                 <a:moveTo>
                   <a:pt x="8793675" y="0"/>
                 </a:moveTo>
@@ -3975,24 +4015,24 @@
               <a:alphaModFix amt="12000"/>
               <a:extLst>
                 <a:ext uri="{96DAC541-7B7A-43D3-8B79-37D633B846F1}">
-                  <asvg:svgBlip xmlns:asvg="http://schemas.microsoft.com/office/drawing/2016/SVG/main" r:embed="rId5"/>
+                  <asvg:svgBlip xmlns:asvg="http://schemas.microsoft.com/office/drawing/2016/SVG/main" xmlns="" r:embed="rId5"/>
                 </a:ext>
               </a:extLst>
             </a:blip>
             <a:stretch>
-              <a:fillRect l="0" t="0" r="0" b="0"/>
+              <a:fillRect/>
             </a:stretch>
           </a:blipFill>
         </p:spPr>
       </p:sp>
       <p:sp>
         <p:nvSpPr>
-          <p:cNvPr name="Freeform 4" id="4"/>
+          <p:cNvPr id="4" name="Freeform 4"/>
           <p:cNvSpPr/>
           <p:nvPr/>
         </p:nvSpPr>
         <p:spPr>
-          <a:xfrm flipH="false" flipV="false" rot="0">
+          <a:xfrm>
             <a:off x="2510463" y="5722938"/>
             <a:ext cx="3109105" cy="6979624"/>
           </a:xfrm>
@@ -4001,9 +4041,9 @@
             <a:gdLst/>
             <a:ahLst/>
             <a:cxnLst/>
-            <a:rect r="r" b="b" t="t" l="l"/>
+            <a:rect l="l" t="t" r="r" b="b"/>
             <a:pathLst>
-              <a:path h="6979624" w="3109105">
+              <a:path w="3109105" h="6979624">
                 <a:moveTo>
                   <a:pt x="0" y="0"/>
                 </a:moveTo>
@@ -4028,24 +4068,24 @@
               <a:alphaModFix amt="12000"/>
               <a:extLst>
                 <a:ext uri="{96DAC541-7B7A-43D3-8B79-37D633B846F1}">
-                  <asvg:svgBlip xmlns:asvg="http://schemas.microsoft.com/office/drawing/2016/SVG/main" r:embed="rId7"/>
+                  <asvg:svgBlip xmlns:asvg="http://schemas.microsoft.com/office/drawing/2016/SVG/main" xmlns="" r:embed="rId7"/>
                 </a:ext>
               </a:extLst>
             </a:blip>
             <a:stretch>
-              <a:fillRect l="0" t="0" r="0" b="0"/>
+              <a:fillRect/>
             </a:stretch>
           </a:blipFill>
         </p:spPr>
       </p:sp>
       <p:sp>
         <p:nvSpPr>
-          <p:cNvPr name="TextBox 5" id="5"/>
-          <p:cNvSpPr txBox="true"/>
+          <p:cNvPr id="5" name="TextBox 5"/>
+          <p:cNvSpPr txBox="1"/>
           <p:nvPr/>
         </p:nvSpPr>
         <p:spPr>
-          <a:xfrm rot="0">
+          <a:xfrm>
             <a:off x="1006581" y="1009650"/>
             <a:ext cx="16135350" cy="1924050"/>
           </a:xfrm>
@@ -4054,7 +4094,7 @@
           </a:prstGeom>
         </p:spPr>
         <p:txBody>
-          <a:bodyPr anchor="t" rtlCol="false" tIns="0" lIns="0" bIns="0" rIns="0">
+          <a:bodyPr lIns="0" tIns="0" rIns="0" bIns="0" rtlCol="0" anchor="t">
             <a:spAutoFit/>
           </a:bodyPr>
           <a:lstStyle/>
@@ -4078,12 +4118,12 @@
       </p:sp>
       <p:sp>
         <p:nvSpPr>
-          <p:cNvPr name="TextBox 6" id="6"/>
-          <p:cNvSpPr txBox="true"/>
+          <p:cNvPr id="6" name="TextBox 6"/>
+          <p:cNvSpPr txBox="1"/>
           <p:nvPr/>
         </p:nvSpPr>
         <p:spPr>
-          <a:xfrm rot="0">
+          <a:xfrm>
             <a:off x="4931369" y="4032857"/>
             <a:ext cx="3431581" cy="863573"/>
           </a:xfrm>
@@ -4092,7 +4132,7 @@
           </a:prstGeom>
         </p:spPr>
         <p:txBody>
-          <a:bodyPr anchor="t" rtlCol="false" tIns="0" lIns="0" bIns="0" rIns="0">
+          <a:bodyPr lIns="0" tIns="0" rIns="0" bIns="0" rtlCol="0" anchor="t">
             <a:spAutoFit/>
           </a:bodyPr>
           <a:lstStyle/>
@@ -4116,12 +4156,12 @@
       </p:sp>
       <p:sp>
         <p:nvSpPr>
-          <p:cNvPr name="TextBox 7" id="7"/>
-          <p:cNvSpPr txBox="true"/>
+          <p:cNvPr id="7" name="TextBox 7"/>
+          <p:cNvSpPr txBox="1"/>
           <p:nvPr/>
         </p:nvSpPr>
         <p:spPr>
-          <a:xfrm rot="0">
+          <a:xfrm>
             <a:off x="4931369" y="5021263"/>
             <a:ext cx="3431581" cy="701675"/>
           </a:xfrm>
@@ -4130,7 +4170,7 @@
           </a:prstGeom>
         </p:spPr>
         <p:txBody>
-          <a:bodyPr anchor="t" rtlCol="false" tIns="0" lIns="0" bIns="0" rIns="0">
+          <a:bodyPr lIns="0" tIns="0" rIns="0" bIns="0" rtlCol="0" anchor="t">
             <a:spAutoFit/>
           </a:bodyPr>
           <a:lstStyle/>
@@ -4154,12 +4194,12 @@
       </p:sp>
       <p:sp>
         <p:nvSpPr>
-          <p:cNvPr name="TextBox 8" id="8"/>
-          <p:cNvSpPr txBox="true"/>
+          <p:cNvPr id="8" name="TextBox 8"/>
+          <p:cNvSpPr txBox="1"/>
           <p:nvPr/>
         </p:nvSpPr>
         <p:spPr>
-          <a:xfrm rot="0">
+          <a:xfrm>
             <a:off x="557362" y="4032857"/>
             <a:ext cx="3585283" cy="863573"/>
           </a:xfrm>
@@ -4168,7 +4208,7 @@
           </a:prstGeom>
         </p:spPr>
         <p:txBody>
-          <a:bodyPr anchor="t" rtlCol="false" tIns="0" lIns="0" bIns="0" rIns="0">
+          <a:bodyPr lIns="0" tIns="0" rIns="0" bIns="0" rtlCol="0" anchor="t">
             <a:spAutoFit/>
           </a:bodyPr>
           <a:lstStyle/>
@@ -4192,12 +4232,12 @@
       </p:sp>
       <p:sp>
         <p:nvSpPr>
-          <p:cNvPr name="TextBox 9" id="9"/>
-          <p:cNvSpPr txBox="true"/>
+          <p:cNvPr id="9" name="TextBox 9"/>
+          <p:cNvSpPr txBox="1"/>
           <p:nvPr/>
         </p:nvSpPr>
         <p:spPr>
-          <a:xfrm rot="0">
+          <a:xfrm>
             <a:off x="557362" y="5086350"/>
             <a:ext cx="3585283" cy="1415616"/>
           </a:xfrm>
@@ -4206,7 +4246,7 @@
           </a:prstGeom>
         </p:spPr>
         <p:txBody>
-          <a:bodyPr anchor="t" rtlCol="false" tIns="0" lIns="0" bIns="0" rIns="0">
+          <a:bodyPr lIns="0" tIns="0" rIns="0" bIns="0" rtlCol="0" anchor="t">
             <a:spAutoFit/>
           </a:bodyPr>
           <a:lstStyle/>
@@ -4230,12 +4270,12 @@
       </p:sp>
       <p:sp>
         <p:nvSpPr>
-          <p:cNvPr name="TextBox 10" id="10"/>
-          <p:cNvSpPr txBox="true"/>
+          <p:cNvPr id="10" name="TextBox 10"/>
+          <p:cNvSpPr txBox="1"/>
           <p:nvPr/>
         </p:nvSpPr>
         <p:spPr>
-          <a:xfrm rot="0">
+          <a:xfrm>
             <a:off x="9144000" y="4032857"/>
             <a:ext cx="2449883" cy="863573"/>
           </a:xfrm>
@@ -4244,7 +4284,7 @@
           </a:prstGeom>
         </p:spPr>
         <p:txBody>
-          <a:bodyPr anchor="t" rtlCol="false" tIns="0" lIns="0" bIns="0" rIns="0">
+          <a:bodyPr lIns="0" tIns="0" rIns="0" bIns="0" rtlCol="0" anchor="t">
             <a:spAutoFit/>
           </a:bodyPr>
           <a:lstStyle/>
@@ -4268,12 +4308,12 @@
       </p:sp>
       <p:sp>
         <p:nvSpPr>
-          <p:cNvPr name="TextBox 11" id="11"/>
-          <p:cNvSpPr txBox="true"/>
+          <p:cNvPr id="11" name="TextBox 11"/>
+          <p:cNvSpPr txBox="1"/>
           <p:nvPr/>
         </p:nvSpPr>
         <p:spPr>
-          <a:xfrm rot="0">
+          <a:xfrm>
             <a:off x="9074256" y="5021263"/>
             <a:ext cx="2449883" cy="701675"/>
           </a:xfrm>
@@ -4282,7 +4322,7 @@
           </a:prstGeom>
         </p:spPr>
         <p:txBody>
-          <a:bodyPr anchor="t" rtlCol="false" tIns="0" lIns="0" bIns="0" rIns="0">
+          <a:bodyPr lIns="0" tIns="0" rIns="0" bIns="0" rtlCol="0" anchor="t">
             <a:spAutoFit/>
           </a:bodyPr>
           <a:lstStyle/>
@@ -4306,12 +4346,12 @@
       </p:sp>
       <p:sp>
         <p:nvSpPr>
-          <p:cNvPr name="TextBox 12" id="12"/>
-          <p:cNvSpPr txBox="true"/>
+          <p:cNvPr id="12" name="TextBox 12"/>
+          <p:cNvSpPr txBox="1"/>
           <p:nvPr/>
         </p:nvSpPr>
         <p:spPr>
-          <a:xfrm rot="0">
+          <a:xfrm>
             <a:off x="12371588" y="4032857"/>
             <a:ext cx="2325906" cy="863573"/>
           </a:xfrm>
@@ -4320,7 +4360,7 @@
           </a:prstGeom>
         </p:spPr>
         <p:txBody>
-          <a:bodyPr anchor="t" rtlCol="false" tIns="0" lIns="0" bIns="0" rIns="0">
+          <a:bodyPr lIns="0" tIns="0" rIns="0" bIns="0" rtlCol="0" anchor="t">
             <a:spAutoFit/>
           </a:bodyPr>
           <a:lstStyle/>
@@ -4344,12 +4384,12 @@
       </p:sp>
       <p:sp>
         <p:nvSpPr>
-          <p:cNvPr name="TextBox 13" id="13"/>
-          <p:cNvSpPr txBox="true"/>
+          <p:cNvPr id="13" name="TextBox 13"/>
+          <p:cNvSpPr txBox="1"/>
           <p:nvPr/>
         </p:nvSpPr>
         <p:spPr>
-          <a:xfrm rot="0">
+          <a:xfrm>
             <a:off x="12371588" y="5011738"/>
             <a:ext cx="2325906" cy="1416043"/>
           </a:xfrm>
@@ -4358,7 +4398,7 @@
           </a:prstGeom>
         </p:spPr>
         <p:txBody>
-          <a:bodyPr anchor="t" rtlCol="false" tIns="0" lIns="0" bIns="0" rIns="0">
+          <a:bodyPr lIns="0" tIns="0" rIns="0" bIns="0" rtlCol="0" anchor="t">
             <a:spAutoFit/>
           </a:bodyPr>
           <a:lstStyle/>
@@ -4382,12 +4422,12 @@
       </p:sp>
       <p:sp>
         <p:nvSpPr>
-          <p:cNvPr name="TextBox 14" id="14"/>
-          <p:cNvSpPr txBox="true"/>
+          <p:cNvPr id="14" name="TextBox 14"/>
+          <p:cNvSpPr txBox="1"/>
           <p:nvPr/>
         </p:nvSpPr>
         <p:spPr>
-          <a:xfrm rot="0">
+          <a:xfrm>
             <a:off x="15478544" y="4032857"/>
             <a:ext cx="2320602" cy="863573"/>
           </a:xfrm>
@@ -4396,7 +4436,7 @@
           </a:prstGeom>
         </p:spPr>
         <p:txBody>
-          <a:bodyPr anchor="t" rtlCol="false" tIns="0" lIns="0" bIns="0" rIns="0">
+          <a:bodyPr lIns="0" tIns="0" rIns="0" bIns="0" rtlCol="0" anchor="t">
             <a:spAutoFit/>
           </a:bodyPr>
           <a:lstStyle/>
@@ -4420,12 +4460,12 @@
       </p:sp>
       <p:sp>
         <p:nvSpPr>
-          <p:cNvPr name="TextBox 15" id="15"/>
-          <p:cNvSpPr txBox="true"/>
+          <p:cNvPr id="15" name="TextBox 15"/>
+          <p:cNvSpPr txBox="1"/>
           <p:nvPr/>
         </p:nvSpPr>
         <p:spPr>
-          <a:xfrm rot="0">
+          <a:xfrm>
             <a:off x="15478544" y="5021263"/>
             <a:ext cx="2320602" cy="1054100"/>
           </a:xfrm>
@@ -4434,7 +4474,7 @@
           </a:prstGeom>
         </p:spPr>
         <p:txBody>
-          <a:bodyPr anchor="t" rtlCol="false" tIns="0" lIns="0" bIns="0" rIns="0">
+          <a:bodyPr lIns="0" tIns="0" rIns="0" bIns="0" rtlCol="0" anchor="t">
             <a:spAutoFit/>
           </a:bodyPr>
           <a:lstStyle/>
@@ -4461,17 +4501,25 @@
   <p:clrMapOvr>
     <a:masterClrMapping/>
   </p:clrMapOvr>
+  <p:timing>
+    <p:tnLst>
+      <p:par>
+        <p:cTn id="1" dur="indefinite" restart="never" nodeType="tmRoot"/>
+      </p:par>
+    </p:tnLst>
+  </p:timing>
 </p:sld>
 </file>
 
 <file path=ppt/slides/slide4.xml><?xml version="1.0" encoding="utf-8"?>
-<p:sld xmlns:p="http://schemas.openxmlformats.org/presentationml/2006/main" xmlns:a="http://schemas.openxmlformats.org/drawingml/2006/main" xmlns:r="http://schemas.openxmlformats.org/officeDocument/2006/relationships">
+<p:sld xmlns:a="http://schemas.openxmlformats.org/drawingml/2006/main" xmlns:r="http://schemas.openxmlformats.org/officeDocument/2006/relationships" xmlns:p="http://schemas.openxmlformats.org/presentationml/2006/main">
   <p:cSld>
     <p:bg>
       <p:bgPr>
         <a:solidFill>
           <a:srgbClr val="53727C"/>
         </a:solidFill>
+        <a:effectLst/>
       </p:bgPr>
     </p:bg>
     <p:spTree>
@@ -4490,12 +4538,12 @@
       </p:grpSpPr>
       <p:sp>
         <p:nvSpPr>
-          <p:cNvPr name="Freeform 2" id="2"/>
+          <p:cNvPr id="2" name="Freeform 2"/>
           <p:cNvSpPr/>
           <p:nvPr/>
         </p:nvSpPr>
         <p:spPr>
-          <a:xfrm flipH="false" flipV="false" rot="-1123244">
+          <a:xfrm rot="-1123244">
             <a:off x="13410781" y="7132374"/>
             <a:ext cx="6377002" cy="3942147"/>
           </a:xfrm>
@@ -4504,9 +4552,9 @@
             <a:gdLst/>
             <a:ahLst/>
             <a:cxnLst/>
-            <a:rect r="r" b="b" t="t" l="l"/>
+            <a:rect l="l" t="t" r="r" b="b"/>
             <a:pathLst>
-              <a:path h="3942147" w="6377002">
+              <a:path w="6377002" h="3942147">
                 <a:moveTo>
                   <a:pt x="0" y="0"/>
                 </a:moveTo>
@@ -4531,24 +4579,24 @@
               <a:alphaModFix amt="5000"/>
               <a:extLst>
                 <a:ext uri="{96DAC541-7B7A-43D3-8B79-37D633B846F1}">
-                  <asvg:svgBlip xmlns:asvg="http://schemas.microsoft.com/office/drawing/2016/SVG/main" r:embed="rId3"/>
+                  <asvg:svgBlip xmlns:asvg="http://schemas.microsoft.com/office/drawing/2016/SVG/main" xmlns="" r:embed="rId3"/>
                 </a:ext>
               </a:extLst>
             </a:blip>
             <a:stretch>
-              <a:fillRect l="0" t="0" r="0" b="0"/>
+              <a:fillRect/>
             </a:stretch>
           </a:blipFill>
         </p:spPr>
       </p:sp>
       <p:sp>
         <p:nvSpPr>
-          <p:cNvPr name="Freeform 3" id="3"/>
+          <p:cNvPr id="3" name="Freeform 3"/>
           <p:cNvSpPr/>
           <p:nvPr/>
         </p:nvSpPr>
         <p:spPr>
-          <a:xfrm flipH="true" flipV="false" rot="-1123244">
+          <a:xfrm rot="-1123244" flipH="1">
             <a:off x="-47225" y="-194903"/>
             <a:ext cx="2880500" cy="1770198"/>
           </a:xfrm>
@@ -4557,9 +4605,9 @@
             <a:gdLst/>
             <a:ahLst/>
             <a:cxnLst/>
-            <a:rect r="r" b="b" t="t" l="l"/>
+            <a:rect l="l" t="t" r="r" b="b"/>
             <a:pathLst>
-              <a:path h="1770198" w="2880500">
+              <a:path w="2880500" h="1770198">
                 <a:moveTo>
                   <a:pt x="2880499" y="0"/>
                 </a:moveTo>
@@ -4584,24 +4632,24 @@
               <a:alphaModFix amt="5000"/>
               <a:extLst>
                 <a:ext uri="{96DAC541-7B7A-43D3-8B79-37D633B846F1}">
-                  <asvg:svgBlip xmlns:asvg="http://schemas.microsoft.com/office/drawing/2016/SVG/main" r:embed="rId5"/>
+                  <asvg:svgBlip xmlns:asvg="http://schemas.microsoft.com/office/drawing/2016/SVG/main" xmlns="" r:embed="rId5"/>
                 </a:ext>
               </a:extLst>
             </a:blip>
             <a:stretch>
-              <a:fillRect l="0" t="0" r="0" b="0"/>
+              <a:fillRect/>
             </a:stretch>
           </a:blipFill>
         </p:spPr>
       </p:sp>
       <p:sp>
         <p:nvSpPr>
-          <p:cNvPr name="Freeform 4" id="4"/>
+          <p:cNvPr id="4" name="Freeform 4"/>
           <p:cNvSpPr/>
           <p:nvPr/>
         </p:nvSpPr>
         <p:spPr>
-          <a:xfrm flipH="false" flipV="false" rot="-1123244">
+          <a:xfrm rot="-1123244">
             <a:off x="14244757" y="-1233337"/>
             <a:ext cx="5323584" cy="5707546"/>
           </a:xfrm>
@@ -4610,9 +4658,9 @@
             <a:gdLst/>
             <a:ahLst/>
             <a:cxnLst/>
-            <a:rect r="r" b="b" t="t" l="l"/>
+            <a:rect l="l" t="t" r="r" b="b"/>
             <a:pathLst>
-              <a:path h="5707546" w="5323584">
+              <a:path w="5323584" h="5707546">
                 <a:moveTo>
                   <a:pt x="0" y="0"/>
                 </a:moveTo>
@@ -4637,24 +4685,24 @@
               <a:alphaModFix amt="5000"/>
               <a:extLst>
                 <a:ext uri="{96DAC541-7B7A-43D3-8B79-37D633B846F1}">
-                  <asvg:svgBlip xmlns:asvg="http://schemas.microsoft.com/office/drawing/2016/SVG/main" r:embed="rId7"/>
+                  <asvg:svgBlip xmlns:asvg="http://schemas.microsoft.com/office/drawing/2016/SVG/main" xmlns="" r:embed="rId7"/>
                 </a:ext>
               </a:extLst>
             </a:blip>
             <a:stretch>
-              <a:fillRect l="0" t="0" r="0" b="0"/>
+              <a:fillRect/>
             </a:stretch>
           </a:blipFill>
         </p:spPr>
       </p:sp>
       <p:sp>
         <p:nvSpPr>
-          <p:cNvPr name="Freeform 5" id="5"/>
+          <p:cNvPr id="5" name="Freeform 5"/>
           <p:cNvSpPr/>
           <p:nvPr/>
         </p:nvSpPr>
         <p:spPr>
-          <a:xfrm flipH="false" flipV="false" rot="-1123244">
+          <a:xfrm rot="-1123244">
             <a:off x="-3590227" y="5085031"/>
             <a:ext cx="7431617" cy="7755957"/>
           </a:xfrm>
@@ -4663,9 +4711,9 @@
             <a:gdLst/>
             <a:ahLst/>
             <a:cxnLst/>
-            <a:rect r="r" b="b" t="t" l="l"/>
+            <a:rect l="l" t="t" r="r" b="b"/>
             <a:pathLst>
-              <a:path h="7755957" w="7431617">
+              <a:path w="7431617" h="7755957">
                 <a:moveTo>
                   <a:pt x="0" y="0"/>
                 </a:moveTo>
@@ -4690,24 +4738,24 @@
               <a:alphaModFix amt="5000"/>
               <a:extLst>
                 <a:ext uri="{96DAC541-7B7A-43D3-8B79-37D633B846F1}">
-                  <asvg:svgBlip xmlns:asvg="http://schemas.microsoft.com/office/drawing/2016/SVG/main" r:embed="rId9"/>
+                  <asvg:svgBlip xmlns:asvg="http://schemas.microsoft.com/office/drawing/2016/SVG/main" xmlns="" r:embed="rId9"/>
                 </a:ext>
               </a:extLst>
             </a:blip>
             <a:stretch>
-              <a:fillRect l="0" t="0" r="0" b="0"/>
+              <a:fillRect/>
             </a:stretch>
           </a:blipFill>
         </p:spPr>
       </p:sp>
       <p:sp>
         <p:nvSpPr>
-          <p:cNvPr name="TextBox 6" id="6"/>
-          <p:cNvSpPr txBox="true"/>
+          <p:cNvPr id="6" name="TextBox 6"/>
+          <p:cNvSpPr txBox="1"/>
           <p:nvPr/>
         </p:nvSpPr>
         <p:spPr>
-          <a:xfrm rot="0">
+          <a:xfrm>
             <a:off x="771198" y="406429"/>
             <a:ext cx="16135350" cy="1924050"/>
           </a:xfrm>
@@ -4716,7 +4764,7 @@
           </a:prstGeom>
         </p:spPr>
         <p:txBody>
-          <a:bodyPr anchor="t" rtlCol="false" tIns="0" lIns="0" bIns="0" rIns="0">
+          <a:bodyPr lIns="0" tIns="0" rIns="0" bIns="0" rtlCol="0" anchor="t">
             <a:spAutoFit/>
           </a:bodyPr>
           <a:lstStyle/>
@@ -4740,12 +4788,12 @@
       </p:sp>
       <p:sp>
         <p:nvSpPr>
-          <p:cNvPr name="TextBox 7" id="7"/>
-          <p:cNvSpPr txBox="true"/>
+          <p:cNvPr id="7" name="TextBox 7"/>
+          <p:cNvSpPr txBox="1"/>
           <p:nvPr/>
         </p:nvSpPr>
         <p:spPr>
-          <a:xfrm rot="0">
+          <a:xfrm>
             <a:off x="11995838" y="2463829"/>
             <a:ext cx="4717252" cy="1261111"/>
           </a:xfrm>
@@ -4754,7 +4802,7 @@
           </a:prstGeom>
         </p:spPr>
         <p:txBody>
-          <a:bodyPr anchor="t" rtlCol="false" tIns="0" lIns="0" bIns="0" rIns="0">
+          <a:bodyPr lIns="0" tIns="0" rIns="0" bIns="0" rtlCol="0" anchor="t">
             <a:spAutoFit/>
           </a:bodyPr>
           <a:lstStyle/>
@@ -4778,12 +4826,12 @@
       </p:sp>
       <p:sp>
         <p:nvSpPr>
-          <p:cNvPr name="TextBox 8" id="8"/>
-          <p:cNvSpPr txBox="true"/>
+          <p:cNvPr id="8" name="TextBox 8"/>
+          <p:cNvSpPr txBox="1"/>
           <p:nvPr/>
         </p:nvSpPr>
         <p:spPr>
-          <a:xfrm rot="0">
+          <a:xfrm>
             <a:off x="12179343" y="3651818"/>
             <a:ext cx="4226482" cy="834390"/>
           </a:xfrm>
@@ -4792,7 +4840,7 @@
           </a:prstGeom>
         </p:spPr>
         <p:txBody>
-          <a:bodyPr anchor="t" rtlCol="false" tIns="0" lIns="0" bIns="0" rIns="0">
+          <a:bodyPr lIns="0" tIns="0" rIns="0" bIns="0" rtlCol="0" anchor="t">
             <a:spAutoFit/>
           </a:bodyPr>
           <a:lstStyle/>
@@ -4816,12 +4864,12 @@
       </p:sp>
       <p:sp>
         <p:nvSpPr>
-          <p:cNvPr name="TextBox 9" id="9"/>
-          <p:cNvSpPr txBox="true"/>
+          <p:cNvPr id="9" name="TextBox 9"/>
+          <p:cNvSpPr txBox="1"/>
           <p:nvPr/>
         </p:nvSpPr>
         <p:spPr>
-          <a:xfrm rot="0">
+          <a:xfrm>
             <a:off x="1574909" y="2620766"/>
             <a:ext cx="3598900" cy="622936"/>
           </a:xfrm>
@@ -4830,7 +4878,7 @@
           </a:prstGeom>
         </p:spPr>
         <p:txBody>
-          <a:bodyPr anchor="t" rtlCol="false" tIns="0" lIns="0" bIns="0" rIns="0">
+          <a:bodyPr lIns="0" tIns="0" rIns="0" bIns="0" rtlCol="0" anchor="t">
             <a:spAutoFit/>
           </a:bodyPr>
           <a:lstStyle/>
@@ -4854,12 +4902,12 @@
       </p:sp>
       <p:sp>
         <p:nvSpPr>
-          <p:cNvPr name="TextBox 10" id="10"/>
-          <p:cNvSpPr txBox="true"/>
+          <p:cNvPr id="10" name="TextBox 10"/>
+          <p:cNvSpPr txBox="1"/>
           <p:nvPr/>
         </p:nvSpPr>
         <p:spPr>
-          <a:xfrm rot="0">
+          <a:xfrm>
             <a:off x="1574909" y="3232656"/>
             <a:ext cx="3574814" cy="1253552"/>
           </a:xfrm>
@@ -4868,7 +4916,7 @@
           </a:prstGeom>
         </p:spPr>
         <p:txBody>
-          <a:bodyPr anchor="t" rtlCol="false" tIns="0" lIns="0" bIns="0" rIns="0">
+          <a:bodyPr lIns="0" tIns="0" rIns="0" bIns="0" rtlCol="0" anchor="t">
             <a:spAutoFit/>
           </a:bodyPr>
           <a:lstStyle/>
@@ -4892,12 +4940,12 @@
       </p:sp>
       <p:sp>
         <p:nvSpPr>
-          <p:cNvPr name="TextBox 11" id="11"/>
-          <p:cNvSpPr txBox="true"/>
+          <p:cNvPr id="11" name="TextBox 11"/>
+          <p:cNvSpPr txBox="1"/>
           <p:nvPr/>
         </p:nvSpPr>
         <p:spPr>
-          <a:xfrm rot="0">
+          <a:xfrm>
             <a:off x="2617404" y="5345378"/>
             <a:ext cx="3589404" cy="622936"/>
           </a:xfrm>
@@ -4906,7 +4954,7 @@
           </a:prstGeom>
         </p:spPr>
         <p:txBody>
-          <a:bodyPr anchor="t" rtlCol="false" tIns="0" lIns="0" bIns="0" rIns="0">
+          <a:bodyPr lIns="0" tIns="0" rIns="0" bIns="0" rtlCol="0" anchor="t">
             <a:spAutoFit/>
           </a:bodyPr>
           <a:lstStyle/>
@@ -4930,12 +4978,12 @@
       </p:sp>
       <p:sp>
         <p:nvSpPr>
-          <p:cNvPr name="TextBox 12" id="12"/>
-          <p:cNvSpPr txBox="true"/>
+          <p:cNvPr id="12" name="TextBox 12"/>
+          <p:cNvSpPr txBox="1"/>
           <p:nvPr/>
         </p:nvSpPr>
         <p:spPr>
-          <a:xfrm rot="0">
+          <a:xfrm>
             <a:off x="2617404" y="6026099"/>
             <a:ext cx="3589404" cy="1253490"/>
           </a:xfrm>
@@ -4944,7 +4992,7 @@
           </a:prstGeom>
         </p:spPr>
         <p:txBody>
-          <a:bodyPr anchor="t" rtlCol="false" tIns="0" lIns="0" bIns="0" rIns="0">
+          <a:bodyPr lIns="0" tIns="0" rIns="0" bIns="0" rtlCol="0" anchor="t">
             <a:spAutoFit/>
           </a:bodyPr>
           <a:lstStyle/>
@@ -4968,12 +5016,12 @@
       </p:sp>
       <p:sp>
         <p:nvSpPr>
-          <p:cNvPr name="TextBox 13" id="13"/>
-          <p:cNvSpPr txBox="true"/>
+          <p:cNvPr id="13" name="TextBox 13"/>
+          <p:cNvSpPr txBox="1"/>
           <p:nvPr/>
         </p:nvSpPr>
         <p:spPr>
-          <a:xfrm rot="0">
+          <a:xfrm>
             <a:off x="7585319" y="5449686"/>
             <a:ext cx="2680634" cy="622936"/>
           </a:xfrm>
@@ -4982,7 +5030,7 @@
           </a:prstGeom>
         </p:spPr>
         <p:txBody>
-          <a:bodyPr anchor="t" rtlCol="false" tIns="0" lIns="0" bIns="0" rIns="0">
+          <a:bodyPr lIns="0" tIns="0" rIns="0" bIns="0" rtlCol="0" anchor="t">
             <a:spAutoFit/>
           </a:bodyPr>
           <a:lstStyle/>
@@ -5006,12 +5054,12 @@
       </p:sp>
       <p:sp>
         <p:nvSpPr>
-          <p:cNvPr name="TextBox 14" id="14"/>
-          <p:cNvSpPr txBox="true"/>
+          <p:cNvPr id="14" name="TextBox 14"/>
+          <p:cNvSpPr txBox="1"/>
           <p:nvPr/>
         </p:nvSpPr>
         <p:spPr>
-          <a:xfrm rot="0">
+          <a:xfrm>
             <a:off x="7070966" y="6123945"/>
             <a:ext cx="3709342" cy="834390"/>
           </a:xfrm>
@@ -5020,7 +5068,7 @@
           </a:prstGeom>
         </p:spPr>
         <p:txBody>
-          <a:bodyPr anchor="t" rtlCol="false" tIns="0" lIns="0" bIns="0" rIns="0">
+          <a:bodyPr lIns="0" tIns="0" rIns="0" bIns="0" rtlCol="0" anchor="t">
             <a:spAutoFit/>
           </a:bodyPr>
           <a:lstStyle/>
@@ -5044,12 +5092,12 @@
       </p:sp>
       <p:sp>
         <p:nvSpPr>
-          <p:cNvPr name="TextBox 15" id="15"/>
-          <p:cNvSpPr txBox="true"/>
+          <p:cNvPr id="15" name="TextBox 15"/>
+          <p:cNvSpPr txBox="1"/>
           <p:nvPr/>
         </p:nvSpPr>
         <p:spPr>
-          <a:xfrm rot="0">
+          <a:xfrm>
             <a:off x="12248477" y="5449686"/>
             <a:ext cx="2459408" cy="622936"/>
           </a:xfrm>
@@ -5058,7 +5106,7 @@
           </a:prstGeom>
         </p:spPr>
         <p:txBody>
-          <a:bodyPr anchor="t" rtlCol="false" tIns="0" lIns="0" bIns="0" rIns="0">
+          <a:bodyPr lIns="0" tIns="0" rIns="0" bIns="0" rtlCol="0" anchor="t">
             <a:spAutoFit/>
           </a:bodyPr>
           <a:lstStyle/>
@@ -5082,12 +5130,12 @@
       </p:sp>
       <p:sp>
         <p:nvSpPr>
-          <p:cNvPr name="TextBox 16" id="16"/>
-          <p:cNvSpPr txBox="true"/>
+          <p:cNvPr id="16" name="TextBox 16"/>
+          <p:cNvSpPr txBox="1"/>
           <p:nvPr/>
         </p:nvSpPr>
         <p:spPr>
-          <a:xfrm rot="0">
+          <a:xfrm>
             <a:off x="11900299" y="6123945"/>
             <a:ext cx="3155764" cy="1253490"/>
           </a:xfrm>
@@ -5096,7 +5144,7 @@
           </a:prstGeom>
         </p:spPr>
         <p:txBody>
-          <a:bodyPr anchor="t" rtlCol="false" tIns="0" lIns="0" bIns="0" rIns="0">
+          <a:bodyPr lIns="0" tIns="0" rIns="0" bIns="0" rtlCol="0" anchor="t">
             <a:spAutoFit/>
           </a:bodyPr>
           <a:lstStyle/>
@@ -5120,12 +5168,12 @@
       </p:sp>
       <p:sp>
         <p:nvSpPr>
-          <p:cNvPr name="TextBox 17" id="17"/>
-          <p:cNvSpPr txBox="true"/>
+          <p:cNvPr id="17" name="TextBox 17"/>
+          <p:cNvSpPr txBox="1"/>
           <p:nvPr/>
         </p:nvSpPr>
         <p:spPr>
-          <a:xfrm rot="0">
+          <a:xfrm>
             <a:off x="6422988" y="2620766"/>
             <a:ext cx="4296500" cy="622936"/>
           </a:xfrm>
@@ -5134,7 +5182,7 @@
           </a:prstGeom>
         </p:spPr>
         <p:txBody>
-          <a:bodyPr anchor="t" rtlCol="false" tIns="0" lIns="0" bIns="0" rIns="0">
+          <a:bodyPr lIns="0" tIns="0" rIns="0" bIns="0" rtlCol="0" anchor="t">
             <a:spAutoFit/>
           </a:bodyPr>
           <a:lstStyle/>
@@ -5158,12 +5206,12 @@
       </p:sp>
       <p:sp>
         <p:nvSpPr>
-          <p:cNvPr name="TextBox 18" id="18"/>
-          <p:cNvSpPr txBox="true"/>
+          <p:cNvPr id="18" name="TextBox 18"/>
+          <p:cNvSpPr txBox="1"/>
           <p:nvPr/>
         </p:nvSpPr>
         <p:spPr>
-          <a:xfrm rot="0">
+          <a:xfrm>
             <a:off x="6422988" y="3319297"/>
             <a:ext cx="4296500" cy="834390"/>
           </a:xfrm>
@@ -5172,7 +5220,7 @@
           </a:prstGeom>
         </p:spPr>
         <p:txBody>
-          <a:bodyPr anchor="t" rtlCol="false" tIns="0" lIns="0" bIns="0" rIns="0">
+          <a:bodyPr lIns="0" tIns="0" rIns="0" bIns="0" rtlCol="0" anchor="t">
             <a:spAutoFit/>
           </a:bodyPr>
           <a:lstStyle/>
@@ -5199,17 +5247,25 @@
   <p:clrMapOvr>
     <a:masterClrMapping/>
   </p:clrMapOvr>
+  <p:timing>
+    <p:tnLst>
+      <p:par>
+        <p:cTn id="1" dur="indefinite" restart="never" nodeType="tmRoot"/>
+      </p:par>
+    </p:tnLst>
+  </p:timing>
 </p:sld>
 </file>
 
 <file path=ppt/slides/slide5.xml><?xml version="1.0" encoding="utf-8"?>
-<p:sld xmlns:p="http://schemas.openxmlformats.org/presentationml/2006/main" xmlns:a="http://schemas.openxmlformats.org/drawingml/2006/main" xmlns:r="http://schemas.openxmlformats.org/officeDocument/2006/relationships">
+<p:sld xmlns:a="http://schemas.openxmlformats.org/drawingml/2006/main" xmlns:r="http://schemas.openxmlformats.org/officeDocument/2006/relationships" xmlns:p="http://schemas.openxmlformats.org/presentationml/2006/main">
   <p:cSld>
     <p:bg>
       <p:bgPr>
         <a:solidFill>
           <a:srgbClr val="202E32"/>
         </a:solidFill>
+        <a:effectLst/>
       </p:bgPr>
     </p:bg>
     <p:spTree>
@@ -5228,13 +5284,13 @@
       </p:grpSpPr>
       <p:sp>
         <p:nvSpPr>
-          <p:cNvPr name="Freeform 2" id="2"/>
+          <p:cNvPr id="2" name="Freeform 2"/>
           <p:cNvSpPr/>
           <p:nvPr/>
         </p:nvSpPr>
         <p:spPr>
-          <a:xfrm flipH="false" flipV="false" rot="0">
-            <a:off x="-8918437" y="-4447893"/>
+          <a:xfrm>
+            <a:off x="-9105334" y="-4457700"/>
             <a:ext cx="25080287" cy="26174872"/>
           </a:xfrm>
           <a:custGeom>
@@ -5242,9 +5298,9 @@
             <a:gdLst/>
             <a:ahLst/>
             <a:cxnLst/>
-            <a:rect r="r" b="b" t="t" l="l"/>
+            <a:rect l="l" t="t" r="r" b="b"/>
             <a:pathLst>
-              <a:path h="26174872" w="25080287">
+              <a:path w="25080287" h="26174872">
                 <a:moveTo>
                   <a:pt x="0" y="0"/>
                 </a:moveTo>
@@ -5269,24 +5325,24 @@
               <a:alphaModFix amt="20999"/>
               <a:extLst>
                 <a:ext uri="{96DAC541-7B7A-43D3-8B79-37D633B846F1}">
-                  <asvg:svgBlip xmlns:asvg="http://schemas.microsoft.com/office/drawing/2016/SVG/main" r:embed="rId3"/>
+                  <asvg:svgBlip xmlns:asvg="http://schemas.microsoft.com/office/drawing/2016/SVG/main" xmlns="" r:embed="rId3"/>
                 </a:ext>
               </a:extLst>
             </a:blip>
             <a:stretch>
-              <a:fillRect l="0" t="0" r="0" b="0"/>
+              <a:fillRect/>
             </a:stretch>
           </a:blipFill>
         </p:spPr>
       </p:sp>
       <p:grpSp>
         <p:nvGrpSpPr>
-          <p:cNvPr name="Group 3" id="3"/>
+          <p:cNvPr id="3" name="Group 3"/>
           <p:cNvGrpSpPr/>
           <p:nvPr/>
         </p:nvGrpSpPr>
         <p:grpSpPr>
-          <a:xfrm rot="0">
+          <a:xfrm>
             <a:off x="707699" y="3975758"/>
             <a:ext cx="2727111" cy="1316192"/>
             <a:chOff x="0" y="0"/>
@@ -5295,12 +5351,12 @@
         </p:grpSpPr>
         <p:sp>
           <p:nvSpPr>
-            <p:cNvPr name="Freeform 4" id="4"/>
+            <p:cNvPr id="4" name="Freeform 4"/>
             <p:cNvSpPr/>
             <p:nvPr/>
           </p:nvSpPr>
           <p:spPr>
-            <a:xfrm flipH="false" flipV="false" rot="0">
+            <a:xfrm>
               <a:off x="0" y="0"/>
               <a:ext cx="718252" cy="346651"/>
             </a:xfrm>
@@ -5309,9 +5365,9 @@
               <a:gdLst/>
               <a:ahLst/>
               <a:cxnLst/>
-              <a:rect r="r" b="b" t="t" l="l"/>
+              <a:rect l="l" t="t" r="r" b="b"/>
               <a:pathLst>
-                <a:path h="346651" w="718252">
+                <a:path w="718252" h="346651">
                   <a:moveTo>
                     <a:pt x="144782" y="0"/>
                   </a:moveTo>
@@ -5363,8 +5419,8 @@
         </p:sp>
         <p:sp>
           <p:nvSpPr>
-            <p:cNvPr name="TextBox 5" id="5"/>
-            <p:cNvSpPr txBox="true"/>
+            <p:cNvPr id="5" name="TextBox 5"/>
+            <p:cNvSpPr txBox="1"/>
             <p:nvPr/>
           </p:nvSpPr>
           <p:spPr>
@@ -5377,7 +5433,7 @@
             </a:prstGeom>
           </p:spPr>
           <p:txBody>
-            <a:bodyPr anchor="ctr" rtlCol="false" tIns="50800" lIns="50800" bIns="50800" rIns="50800"/>
+            <a:bodyPr lIns="50800" tIns="50800" rIns="50800" bIns="50800" rtlCol="0" anchor="ctr"/>
             <a:lstStyle/>
             <a:p>
               <a:pPr algn="ctr">
@@ -5416,12 +5472,12 @@
       </p:grpSp>
       <p:grpSp>
         <p:nvGrpSpPr>
-          <p:cNvPr name="Group 6" id="6"/>
+          <p:cNvPr id="6" name="Group 6"/>
           <p:cNvGrpSpPr/>
           <p:nvPr/>
         </p:nvGrpSpPr>
         <p:grpSpPr>
-          <a:xfrm rot="0">
+          <a:xfrm>
             <a:off x="5071602" y="3997573"/>
             <a:ext cx="3560440" cy="1272563"/>
             <a:chOff x="0" y="0"/>
@@ -5430,12 +5486,12 @@
         </p:grpSpPr>
         <p:sp>
           <p:nvSpPr>
-            <p:cNvPr name="Freeform 7" id="7"/>
+            <p:cNvPr id="7" name="Freeform 7"/>
             <p:cNvSpPr/>
             <p:nvPr/>
           </p:nvSpPr>
           <p:spPr>
-            <a:xfrm flipH="false" flipV="false" rot="0">
+            <a:xfrm>
               <a:off x="0" y="0"/>
               <a:ext cx="937729" cy="335161"/>
             </a:xfrm>
@@ -5444,9 +5500,9 @@
               <a:gdLst/>
               <a:ahLst/>
               <a:cxnLst/>
-              <a:rect r="r" b="b" t="t" l="l"/>
+              <a:rect l="l" t="t" r="r" b="b"/>
               <a:pathLst>
-                <a:path h="335161" w="937729">
+                <a:path w="937729" h="335161">
                   <a:moveTo>
                     <a:pt x="110896" y="0"/>
                   </a:moveTo>
@@ -5498,8 +5554,8 @@
         </p:sp>
         <p:sp>
           <p:nvSpPr>
-            <p:cNvPr name="TextBox 8" id="8"/>
-            <p:cNvSpPr txBox="true"/>
+            <p:cNvPr id="8" name="TextBox 8"/>
+            <p:cNvSpPr txBox="1"/>
             <p:nvPr/>
           </p:nvSpPr>
           <p:spPr>
@@ -5512,7 +5568,7 @@
             </a:prstGeom>
           </p:spPr>
           <p:txBody>
-            <a:bodyPr anchor="ctr" rtlCol="false" tIns="50800" lIns="50800" bIns="50800" rIns="50800"/>
+            <a:bodyPr lIns="50800" tIns="50800" rIns="50800" bIns="50800" rtlCol="0" anchor="ctr"/>
             <a:lstStyle/>
             <a:p>
               <a:pPr algn="ctr">
@@ -5535,12 +5591,12 @@
       </p:grpSp>
       <p:grpSp>
         <p:nvGrpSpPr>
-          <p:cNvPr name="Group 9" id="9"/>
+          <p:cNvPr id="9" name="Group 9"/>
           <p:cNvGrpSpPr/>
           <p:nvPr/>
         </p:nvGrpSpPr>
         <p:grpSpPr>
-          <a:xfrm rot="0">
+          <a:xfrm>
             <a:off x="14452495" y="3997586"/>
             <a:ext cx="3418709" cy="1229697"/>
             <a:chOff x="0" y="0"/>
@@ -5549,12 +5605,12 @@
         </p:grpSpPr>
         <p:sp>
           <p:nvSpPr>
-            <p:cNvPr name="Freeform 10" id="10"/>
+            <p:cNvPr id="10" name="Freeform 10"/>
             <p:cNvSpPr/>
             <p:nvPr/>
           </p:nvSpPr>
           <p:spPr>
-            <a:xfrm flipH="false" flipV="false" rot="0">
+            <a:xfrm>
               <a:off x="0" y="0"/>
               <a:ext cx="900401" cy="323871"/>
             </a:xfrm>
@@ -5563,9 +5619,9 @@
               <a:gdLst/>
               <a:ahLst/>
               <a:cxnLst/>
-              <a:rect r="r" b="b" t="t" l="l"/>
+              <a:rect l="l" t="t" r="r" b="b"/>
               <a:pathLst>
-                <a:path h="323871" w="900401">
+                <a:path w="900401" h="323871">
                   <a:moveTo>
                     <a:pt x="115493" y="0"/>
                   </a:moveTo>
@@ -5612,8 +5668,8 @@
         </p:sp>
         <p:sp>
           <p:nvSpPr>
-            <p:cNvPr name="TextBox 11" id="11"/>
-            <p:cNvSpPr txBox="true"/>
+            <p:cNvPr id="11" name="TextBox 11"/>
+            <p:cNvSpPr txBox="1"/>
             <p:nvPr/>
           </p:nvSpPr>
           <p:spPr>
@@ -5626,7 +5682,7 @@
             </a:prstGeom>
           </p:spPr>
           <p:txBody>
-            <a:bodyPr anchor="ctr" rtlCol="false" tIns="50800" lIns="50800" bIns="50800" rIns="50800"/>
+            <a:bodyPr lIns="50800" tIns="50800" rIns="50800" bIns="50800" rtlCol="0" anchor="ctr"/>
             <a:lstStyle/>
             <a:p>
               <a:pPr algn="ctr">
@@ -5649,12 +5705,12 @@
       </p:grpSp>
       <p:grpSp>
         <p:nvGrpSpPr>
-          <p:cNvPr name="Group 12" id="12"/>
+          <p:cNvPr id="12" name="Group 12"/>
           <p:cNvGrpSpPr/>
           <p:nvPr/>
         </p:nvGrpSpPr>
         <p:grpSpPr>
-          <a:xfrm rot="0">
+          <a:xfrm>
             <a:off x="9734444" y="4040425"/>
             <a:ext cx="3615648" cy="1186859"/>
             <a:chOff x="0" y="0"/>
@@ -5663,12 +5719,12 @@
         </p:grpSpPr>
         <p:sp>
           <p:nvSpPr>
-            <p:cNvPr name="Freeform 13" id="13"/>
+            <p:cNvPr id="13" name="Freeform 13"/>
             <p:cNvSpPr/>
             <p:nvPr/>
           </p:nvSpPr>
           <p:spPr>
-            <a:xfrm flipH="false" flipV="false" rot="0">
+            <a:xfrm>
               <a:off x="0" y="0"/>
               <a:ext cx="952269" cy="312588"/>
             </a:xfrm>
@@ -5677,9 +5733,9 @@
               <a:gdLst/>
               <a:ahLst/>
               <a:cxnLst/>
-              <a:rect r="r" b="b" t="t" l="l"/>
+              <a:rect l="l" t="t" r="r" b="b"/>
               <a:pathLst>
-                <a:path h="312588" w="952269">
+                <a:path w="952269" h="312588">
                   <a:moveTo>
                     <a:pt x="109203" y="0"/>
                   </a:moveTo>
@@ -5726,8 +5782,8 @@
         </p:sp>
         <p:sp>
           <p:nvSpPr>
-            <p:cNvPr name="TextBox 14" id="14"/>
-            <p:cNvSpPr txBox="true"/>
+            <p:cNvPr id="14" name="TextBox 14"/>
+            <p:cNvSpPr txBox="1"/>
             <p:nvPr/>
           </p:nvSpPr>
           <p:spPr>
@@ -5740,7 +5796,7 @@
             </a:prstGeom>
           </p:spPr>
           <p:txBody>
-            <a:bodyPr anchor="ctr" rtlCol="false" tIns="50800" lIns="50800" bIns="50800" rIns="50800"/>
+            <a:bodyPr lIns="50800" tIns="50800" rIns="50800" bIns="50800" rtlCol="0" anchor="ctr"/>
             <a:lstStyle/>
             <a:p>
               <a:pPr algn="ctr">
@@ -5763,7 +5819,7 @@
       </p:grpSp>
       <p:sp>
         <p:nvSpPr>
-          <p:cNvPr name="AutoShape 15" id="15"/>
+          <p:cNvPr id="15" name="AutoShape 15"/>
           <p:cNvSpPr/>
           <p:nvPr/>
         </p:nvSpPr>
@@ -5775,43 +5831,87 @@
           <a:prstGeom prst="line">
             <a:avLst/>
           </a:prstGeom>
-          <a:ln cap="flat" w="38100">
+          <a:ln w="38100" cap="flat">
             <a:solidFill>
               <a:srgbClr val="FFFFFF"/>
             </a:solidFill>
             <a:prstDash val="solid"/>
-            <a:headEnd type="none" len="sm" w="sm"/>
-            <a:tailEnd type="triangle" len="med" w="lg"/>
+            <a:headEnd type="none" w="sm" len="sm"/>
+            <a:tailEnd type="triangle" w="lg" len="med"/>
           </a:ln>
         </p:spPr>
       </p:sp>
       <p:sp>
         <p:nvSpPr>
-          <p:cNvPr name="AutoShape 16" id="16"/>
+          <p:cNvPr id="16" name="AutoShape 16"/>
           <p:cNvSpPr/>
           <p:nvPr/>
         </p:nvSpPr>
         <p:spPr>
           <a:xfrm>
-            <a:off x="2071255" y="3975758"/>
-            <a:ext cx="9471013" cy="64666"/>
-          </a:xfrm>
-          <a:prstGeom prst="line">
+            <a:off x="2071255" y="3084484"/>
+            <a:ext cx="9471013" cy="955940"/>
+          </a:xfrm>
+          <a:custGeom>
             <a:avLst/>
-          </a:prstGeom>
-          <a:ln cap="flat" w="38100">
+            <a:gdLst>
+              <a:gd name="connsiteX0" fmla="*/ 0 w 9471013"/>
+              <a:gd name="connsiteY0" fmla="*/ 0 h 64666"/>
+              <a:gd name="connsiteX1" fmla="*/ 9471013 w 9471013"/>
+              <a:gd name="connsiteY1" fmla="*/ 64666 h 64666"/>
+              <a:gd name="connsiteX0" fmla="*/ 0 w 9471013"/>
+              <a:gd name="connsiteY0" fmla="*/ 968096 h 1032762"/>
+              <a:gd name="connsiteX1" fmla="*/ 9471013 w 9471013"/>
+              <a:gd name="connsiteY1" fmla="*/ 1032762 h 1032762"/>
+              <a:gd name="connsiteX0" fmla="*/ 0 w 9471013"/>
+              <a:gd name="connsiteY0" fmla="*/ 1965645 h 2030311"/>
+              <a:gd name="connsiteX1" fmla="*/ 9471013 w 9471013"/>
+              <a:gd name="connsiteY1" fmla="*/ 2030311 h 2030311"/>
+              <a:gd name="connsiteX0" fmla="*/ 0 w 9471013"/>
+              <a:gd name="connsiteY0" fmla="*/ 1402603 h 1467269"/>
+              <a:gd name="connsiteX1" fmla="*/ 9471013 w 9471013"/>
+              <a:gd name="connsiteY1" fmla="*/ 1467269 h 1467269"/>
+              <a:gd name="connsiteX0" fmla="*/ 0 w 9471013"/>
+              <a:gd name="connsiteY0" fmla="*/ 891274 h 955940"/>
+              <a:gd name="connsiteX1" fmla="*/ 9471013 w 9471013"/>
+              <a:gd name="connsiteY1" fmla="*/ 955940 h 955940"/>
+            </a:gdLst>
+            <a:ahLst/>
+            <a:cxnLst>
+              <a:cxn ang="0">
+                <a:pos x="connsiteX0" y="connsiteY0"/>
+              </a:cxn>
+              <a:cxn ang="0">
+                <a:pos x="connsiteX1" y="connsiteY1"/>
+              </a:cxn>
+            </a:cxnLst>
+            <a:rect l="l" t="t" r="r" b="b"/>
+            <a:pathLst>
+              <a:path w="9471013" h="955940">
+                <a:moveTo>
+                  <a:pt x="0" y="891274"/>
+                </a:moveTo>
+                <a:cubicBezTo>
+                  <a:pt x="1937804" y="51437"/>
+                  <a:pt x="5081556" y="-629371"/>
+                  <a:pt x="9471013" y="955940"/>
+                </a:cubicBezTo>
+              </a:path>
+            </a:pathLst>
+          </a:custGeom>
+          <a:ln w="38100" cap="flat">
             <a:solidFill>
               <a:srgbClr val="FFFFFF"/>
             </a:solidFill>
             <a:prstDash val="solid"/>
-            <a:headEnd type="none" len="sm" w="sm"/>
-            <a:tailEnd type="triangle" len="med" w="lg"/>
+            <a:headEnd type="none" w="sm" len="sm"/>
+            <a:tailEnd type="triangle" w="lg" len="med"/>
           </a:ln>
         </p:spPr>
       </p:sp>
       <p:sp>
         <p:nvSpPr>
-          <p:cNvPr name="AutoShape 17" id="17"/>
+          <p:cNvPr id="17" name="AutoShape 17"/>
           <p:cNvSpPr/>
           <p:nvPr/>
         </p:nvSpPr>
@@ -5823,24 +5923,24 @@
           <a:prstGeom prst="line">
             <a:avLst/>
           </a:prstGeom>
-          <a:ln cap="flat" w="38100">
+          <a:ln w="38100" cap="flat">
             <a:solidFill>
               <a:srgbClr val="FFFFFF"/>
             </a:solidFill>
             <a:prstDash val="solid"/>
-            <a:headEnd type="none" len="sm" w="sm"/>
-            <a:tailEnd type="triangle" len="med" w="lg"/>
+            <a:headEnd type="none" w="sm" len="sm"/>
+            <a:tailEnd type="triangle" w="lg" len="med"/>
           </a:ln>
         </p:spPr>
       </p:sp>
       <p:grpSp>
         <p:nvGrpSpPr>
-          <p:cNvPr name="Group 18" id="18"/>
+          <p:cNvPr id="18" name="Group 18"/>
           <p:cNvGrpSpPr/>
           <p:nvPr/>
         </p:nvGrpSpPr>
         <p:grpSpPr>
-          <a:xfrm rot="0">
+          <a:xfrm>
             <a:off x="2545779" y="6189419"/>
             <a:ext cx="2894472" cy="1212699"/>
             <a:chOff x="0" y="0"/>
@@ -5849,12 +5949,12 @@
         </p:grpSpPr>
         <p:sp>
           <p:nvSpPr>
-            <p:cNvPr name="Freeform 19" id="19"/>
+            <p:cNvPr id="19" name="Freeform 19"/>
             <p:cNvSpPr/>
             <p:nvPr/>
           </p:nvSpPr>
           <p:spPr>
-            <a:xfrm flipH="false" flipV="false" rot="0">
+            <a:xfrm>
               <a:off x="0" y="0"/>
               <a:ext cx="762330" cy="319394"/>
             </a:xfrm>
@@ -5863,9 +5963,9 @@
               <a:gdLst/>
               <a:ahLst/>
               <a:cxnLst/>
-              <a:rect r="r" b="b" t="t" l="l"/>
+              <a:rect l="l" t="t" r="r" b="b"/>
               <a:pathLst>
-                <a:path h="319394" w="762330">
+                <a:path w="762330" h="319394">
                   <a:moveTo>
                     <a:pt x="136411" y="0"/>
                   </a:moveTo>
@@ -5912,8 +6012,8 @@
         </p:sp>
         <p:sp>
           <p:nvSpPr>
-            <p:cNvPr name="TextBox 20" id="20"/>
-            <p:cNvSpPr txBox="true"/>
+            <p:cNvPr id="20" name="TextBox 20"/>
+            <p:cNvSpPr txBox="1"/>
             <p:nvPr/>
           </p:nvSpPr>
           <p:spPr>
@@ -5926,7 +6026,7 @@
             </a:prstGeom>
           </p:spPr>
           <p:txBody>
-            <a:bodyPr anchor="ctr" rtlCol="false" tIns="50800" lIns="50800" bIns="50800" rIns="50800"/>
+            <a:bodyPr lIns="50800" tIns="50800" rIns="50800" bIns="50800" rtlCol="0" anchor="ctr"/>
             <a:lstStyle/>
             <a:p>
               <a:pPr algn="ctr">
@@ -5949,85 +6049,157 @@
       </p:grpSp>
       <p:sp>
         <p:nvSpPr>
-          <p:cNvPr name="AutoShape 21" id="21"/>
+          <p:cNvPr id="21" name="AutoShape 21"/>
           <p:cNvSpPr/>
           <p:nvPr/>
         </p:nvSpPr>
         <p:spPr>
-          <a:xfrm flipH="true">
-            <a:off x="5440251" y="5270135"/>
-            <a:ext cx="1411570" cy="1525633"/>
-          </a:xfrm>
-          <a:prstGeom prst="line">
+          <a:xfrm flipH="1">
+            <a:off x="5440251" y="5235467"/>
+            <a:ext cx="2072295" cy="1584433"/>
+          </a:xfrm>
+          <a:custGeom>
             <a:avLst/>
-          </a:prstGeom>
-          <a:ln cap="flat" w="38100">
+            <a:gdLst>
+              <a:gd name="connsiteX0" fmla="*/ 0 w 1411570"/>
+              <a:gd name="connsiteY0" fmla="*/ 0 h 1525633"/>
+              <a:gd name="connsiteX1" fmla="*/ 1411570 w 1411570"/>
+              <a:gd name="connsiteY1" fmla="*/ 1525633 h 1525633"/>
+              <a:gd name="connsiteX0" fmla="*/ 0 w 1411570"/>
+              <a:gd name="connsiteY0" fmla="*/ 0 h 1525633"/>
+              <a:gd name="connsiteX1" fmla="*/ 1411570 w 1411570"/>
+              <a:gd name="connsiteY1" fmla="*/ 1525633 h 1525633"/>
+              <a:gd name="connsiteX0" fmla="*/ 0 w 1411570"/>
+              <a:gd name="connsiteY0" fmla="*/ 0 h 1525633"/>
+              <a:gd name="connsiteX1" fmla="*/ 1411570 w 1411570"/>
+              <a:gd name="connsiteY1" fmla="*/ 1525633 h 1525633"/>
+            </a:gdLst>
+            <a:ahLst/>
+            <a:cxnLst>
+              <a:cxn ang="0">
+                <a:pos x="connsiteX0" y="connsiteY0"/>
+              </a:cxn>
+              <a:cxn ang="0">
+                <a:pos x="connsiteX1" y="connsiteY1"/>
+              </a:cxn>
+            </a:cxnLst>
+            <a:rect l="l" t="t" r="r" b="b"/>
+            <a:pathLst>
+              <a:path w="1411570" h="1525633">
+                <a:moveTo>
+                  <a:pt x="0" y="0"/>
+                </a:moveTo>
+                <a:cubicBezTo>
+                  <a:pt x="86210" y="1184405"/>
+                  <a:pt x="490473" y="1494167"/>
+                  <a:pt x="1411570" y="1525633"/>
+                </a:cubicBezTo>
+              </a:path>
+            </a:pathLst>
+          </a:custGeom>
+          <a:ln w="38100" cap="flat">
             <a:solidFill>
               <a:srgbClr val="FFFFFF"/>
             </a:solidFill>
             <a:prstDash val="solid"/>
-            <a:headEnd type="none" len="sm" w="sm"/>
-            <a:tailEnd type="triangle" len="med" w="lg"/>
+            <a:headEnd type="none" w="sm" len="sm"/>
+            <a:tailEnd type="triangle" w="lg" len="med"/>
           </a:ln>
         </p:spPr>
       </p:sp>
       <p:sp>
         <p:nvSpPr>
-          <p:cNvPr name="AutoShape 22" id="22"/>
+          <p:cNvPr id="22" name="AutoShape 22"/>
           <p:cNvSpPr/>
           <p:nvPr/>
         </p:nvSpPr>
         <p:spPr>
-          <a:xfrm flipV="true">
+          <a:xfrm flipV="1">
             <a:off x="3993015" y="5270135"/>
             <a:ext cx="2858806" cy="919283"/>
           </a:xfrm>
-          <a:prstGeom prst="line">
+          <a:custGeom>
             <a:avLst/>
-          </a:prstGeom>
-          <a:ln cap="flat" w="38100">
+            <a:gdLst>
+              <a:gd name="connsiteX0" fmla="*/ 0 w 2858806"/>
+              <a:gd name="connsiteY0" fmla="*/ 0 h 919283"/>
+              <a:gd name="connsiteX1" fmla="*/ 2858806 w 2858806"/>
+              <a:gd name="connsiteY1" fmla="*/ 919283 h 919283"/>
+              <a:gd name="connsiteX0" fmla="*/ 0 w 2858806"/>
+              <a:gd name="connsiteY0" fmla="*/ 0 h 919283"/>
+              <a:gd name="connsiteX1" fmla="*/ 2858806 w 2858806"/>
+              <a:gd name="connsiteY1" fmla="*/ 919283 h 919283"/>
+              <a:gd name="connsiteX0" fmla="*/ 0 w 2858806"/>
+              <a:gd name="connsiteY0" fmla="*/ 0 h 919283"/>
+              <a:gd name="connsiteX1" fmla="*/ 2858806 w 2858806"/>
+              <a:gd name="connsiteY1" fmla="*/ 919283 h 919283"/>
+            </a:gdLst>
+            <a:ahLst/>
+            <a:cxnLst>
+              <a:cxn ang="0">
+                <a:pos x="connsiteX0" y="connsiteY0"/>
+              </a:cxn>
+              <a:cxn ang="0">
+                <a:pos x="connsiteX1" y="connsiteY1"/>
+              </a:cxn>
+            </a:cxnLst>
+            <a:rect l="l" t="t" r="r" b="b"/>
+            <a:pathLst>
+              <a:path w="2858806" h="919283">
+                <a:moveTo>
+                  <a:pt x="0" y="0"/>
+                </a:moveTo>
+                <a:cubicBezTo>
+                  <a:pt x="171056" y="611228"/>
+                  <a:pt x="1402288" y="877898"/>
+                  <a:pt x="2858806" y="919283"/>
+                </a:cubicBezTo>
+              </a:path>
+            </a:pathLst>
+          </a:custGeom>
+          <a:ln w="38100" cap="flat">
             <a:solidFill>
               <a:srgbClr val="FFFFFF"/>
             </a:solidFill>
             <a:prstDash val="solid"/>
-            <a:headEnd type="none" len="sm" w="sm"/>
-            <a:tailEnd type="triangle" len="med" w="lg"/>
+            <a:headEnd type="none" w="sm" len="sm"/>
+            <a:tailEnd type="triangle" w="lg" len="med"/>
           </a:ln>
         </p:spPr>
       </p:sp>
       <p:sp>
         <p:nvSpPr>
-          <p:cNvPr name="AutoShape 23" id="23"/>
+          <p:cNvPr id="23" name="AutoShape 23"/>
           <p:cNvSpPr/>
           <p:nvPr/>
         </p:nvSpPr>
         <p:spPr>
-          <a:xfrm flipV="true">
+          <a:xfrm flipV="1">
             <a:off x="13350092" y="4612435"/>
             <a:ext cx="1102403" cy="21419"/>
           </a:xfrm>
           <a:prstGeom prst="line">
             <a:avLst/>
           </a:prstGeom>
-          <a:ln cap="flat" w="38100">
+          <a:ln w="38100" cap="flat">
             <a:solidFill>
               <a:srgbClr val="FFFFFF"/>
             </a:solidFill>
             <a:prstDash val="solid"/>
-            <a:headEnd type="none" len="sm" w="sm"/>
-            <a:tailEnd type="triangle" len="med" w="lg"/>
+            <a:headEnd type="none" w="sm" len="sm"/>
+            <a:tailEnd type="triangle" w="lg" len="med"/>
           </a:ln>
         </p:spPr>
       </p:sp>
       <p:sp>
         <p:nvSpPr>
-          <p:cNvPr name="TextBox 24" id="24"/>
-          <p:cNvSpPr txBox="true"/>
+          <p:cNvPr id="24" name="TextBox 24"/>
+          <p:cNvSpPr txBox="1"/>
           <p:nvPr/>
         </p:nvSpPr>
         <p:spPr>
-          <a:xfrm rot="0">
-            <a:off x="3250783" y="3565548"/>
+          <a:xfrm>
+            <a:off x="3190718" y="3827617"/>
             <a:ext cx="2005441" cy="382270"/>
           </a:xfrm>
           <a:prstGeom prst="rect">
@@ -6035,7 +6207,7 @@
           </a:prstGeom>
         </p:spPr>
         <p:txBody>
-          <a:bodyPr anchor="t" rtlCol="false" tIns="0" lIns="0" bIns="0" rIns="0">
+          <a:bodyPr lIns="0" tIns="0" rIns="0" bIns="0" rtlCol="0" anchor="t">
             <a:spAutoFit/>
           </a:bodyPr>
           <a:lstStyle/>
@@ -6046,7 +6218,7 @@
               </a:lnSpc>
             </a:pPr>
             <a:r>
-              <a:rPr lang="en-US" sz="2200">
+              <a:rPr lang="en-US" sz="2200" dirty="0">
                 <a:solidFill>
                   <a:srgbClr val="FFFFFF"/>
                 </a:solidFill>
@@ -6059,13 +6231,13 @@
       </p:sp>
       <p:sp>
         <p:nvSpPr>
-          <p:cNvPr name="TextBox 25" id="25"/>
-          <p:cNvSpPr txBox="true"/>
+          <p:cNvPr id="25" name="TextBox 25"/>
+          <p:cNvSpPr txBox="1"/>
           <p:nvPr/>
         </p:nvSpPr>
         <p:spPr>
-          <a:xfrm rot="0">
-            <a:off x="8141280" y="3565548"/>
+          <a:xfrm>
+            <a:off x="8180522" y="3951946"/>
             <a:ext cx="2005441" cy="382270"/>
           </a:xfrm>
           <a:prstGeom prst="rect">
@@ -6073,7 +6245,7 @@
           </a:prstGeom>
         </p:spPr>
         <p:txBody>
-          <a:bodyPr anchor="t" rtlCol="false" tIns="0" lIns="0" bIns="0" rIns="0">
+          <a:bodyPr lIns="0" tIns="0" rIns="0" bIns="0" rtlCol="0" anchor="t">
             <a:spAutoFit/>
           </a:bodyPr>
           <a:lstStyle/>
@@ -6084,7 +6256,7 @@
               </a:lnSpc>
             </a:pPr>
             <a:r>
-              <a:rPr lang="en-US" sz="2200">
+              <a:rPr lang="en-US" sz="2200" dirty="0">
                 <a:solidFill>
                   <a:srgbClr val="FFFFFF"/>
                 </a:solidFill>
@@ -6097,12 +6269,12 @@
       </p:sp>
       <p:sp>
         <p:nvSpPr>
-          <p:cNvPr name="TextBox 26" id="26"/>
-          <p:cNvSpPr txBox="true"/>
+          <p:cNvPr id="26" name="TextBox 26"/>
+          <p:cNvSpPr txBox="1"/>
           <p:nvPr/>
         </p:nvSpPr>
         <p:spPr>
-          <a:xfrm rot="0">
+          <a:xfrm>
             <a:off x="12779138" y="3370286"/>
             <a:ext cx="2110411" cy="772795"/>
           </a:xfrm>
@@ -6111,7 +6283,7 @@
           </a:prstGeom>
         </p:spPr>
         <p:txBody>
-          <a:bodyPr anchor="t" rtlCol="false" tIns="0" lIns="0" bIns="0" rIns="0">
+          <a:bodyPr lIns="0" tIns="0" rIns="0" bIns="0" rtlCol="0" anchor="t">
             <a:spAutoFit/>
           </a:bodyPr>
           <a:lstStyle/>
@@ -6135,12 +6307,12 @@
       </p:sp>
       <p:sp>
         <p:nvSpPr>
-          <p:cNvPr name="TextBox 27" id="27"/>
-          <p:cNvSpPr txBox="true"/>
+          <p:cNvPr id="27" name="TextBox 27"/>
+          <p:cNvSpPr txBox="1"/>
           <p:nvPr/>
         </p:nvSpPr>
         <p:spPr>
-          <a:xfrm rot="0">
+          <a:xfrm>
             <a:off x="4846381" y="5807149"/>
             <a:ext cx="2005441" cy="382270"/>
           </a:xfrm>
@@ -6149,7 +6321,7 @@
           </a:prstGeom>
         </p:spPr>
         <p:txBody>
-          <a:bodyPr anchor="t" rtlCol="false" tIns="0" lIns="0" bIns="0" rIns="0">
+          <a:bodyPr lIns="0" tIns="0" rIns="0" bIns="0" rtlCol="0" anchor="t">
             <a:spAutoFit/>
           </a:bodyPr>
           <a:lstStyle/>
@@ -6173,13 +6345,13 @@
       </p:sp>
       <p:sp>
         <p:nvSpPr>
-          <p:cNvPr name="TextBox 28" id="28"/>
-          <p:cNvSpPr txBox="true"/>
+          <p:cNvPr id="28" name="TextBox 28"/>
+          <p:cNvSpPr txBox="1"/>
           <p:nvPr/>
         </p:nvSpPr>
         <p:spPr>
-          <a:xfrm rot="0">
-            <a:off x="3621706" y="793151"/>
+          <a:xfrm>
+            <a:off x="3358515" y="-126276"/>
             <a:ext cx="11649453" cy="1543023"/>
           </a:xfrm>
           <a:prstGeom prst="rect">
@@ -6187,7 +6359,7 @@
           </a:prstGeom>
         </p:spPr>
         <p:txBody>
-          <a:bodyPr anchor="t" rtlCol="false" tIns="0" lIns="0" bIns="0" rIns="0">
+          <a:bodyPr lIns="0" tIns="0" rIns="0" bIns="0" rtlCol="0" anchor="t">
             <a:spAutoFit/>
           </a:bodyPr>
           <a:lstStyle/>
@@ -6198,7 +6370,7 @@
               </a:lnSpc>
             </a:pPr>
             <a:r>
-              <a:rPr lang="en-US" sz="9000">
+              <a:rPr lang="en-US" sz="9000" dirty="0">
                 <a:solidFill>
                   <a:srgbClr val="FFFFFF"/>
                 </a:solidFill>
@@ -6214,17 +6386,25 @@
   <p:clrMapOvr>
     <a:masterClrMapping/>
   </p:clrMapOvr>
+  <p:timing>
+    <p:tnLst>
+      <p:par>
+        <p:cTn id="1" dur="indefinite" restart="never" nodeType="tmRoot"/>
+      </p:par>
+    </p:tnLst>
+  </p:timing>
 </p:sld>
 </file>
 
 <file path=ppt/slides/slide6.xml><?xml version="1.0" encoding="utf-8"?>
-<p:sld xmlns:p="http://schemas.openxmlformats.org/presentationml/2006/main" xmlns:a="http://schemas.openxmlformats.org/drawingml/2006/main" xmlns:r="http://schemas.openxmlformats.org/officeDocument/2006/relationships">
+<p:sld xmlns:a="http://schemas.openxmlformats.org/drawingml/2006/main" xmlns:r="http://schemas.openxmlformats.org/officeDocument/2006/relationships" xmlns:p="http://schemas.openxmlformats.org/presentationml/2006/main">
   <p:cSld>
     <p:bg>
       <p:bgPr>
         <a:solidFill>
           <a:srgbClr val="53727C"/>
         </a:solidFill>
+        <a:effectLst/>
       </p:bgPr>
     </p:bg>
     <p:spTree>
@@ -6243,12 +6423,12 @@
       </p:grpSpPr>
       <p:sp>
         <p:nvSpPr>
-          <p:cNvPr name="TextBox 2" id="2"/>
-          <p:cNvSpPr txBox="true"/>
+          <p:cNvPr id="2" name="TextBox 2"/>
+          <p:cNvSpPr txBox="1"/>
           <p:nvPr/>
         </p:nvSpPr>
         <p:spPr>
-          <a:xfrm rot="0">
+          <a:xfrm>
             <a:off x="1855781" y="3439986"/>
             <a:ext cx="6276929" cy="981075"/>
           </a:xfrm>
@@ -6257,7 +6437,7 @@
           </a:prstGeom>
         </p:spPr>
         <p:txBody>
-          <a:bodyPr anchor="t" rtlCol="false" tIns="0" lIns="0" bIns="0" rIns="0">
+          <a:bodyPr lIns="0" tIns="0" rIns="0" bIns="0" rtlCol="0" anchor="t">
             <a:spAutoFit/>
           </a:bodyPr>
           <a:lstStyle/>
@@ -6281,12 +6461,12 @@
       </p:sp>
       <p:sp>
         <p:nvSpPr>
-          <p:cNvPr name="TextBox 3" id="3"/>
-          <p:cNvSpPr txBox="true"/>
+          <p:cNvPr id="3" name="TextBox 3"/>
+          <p:cNvSpPr txBox="1"/>
           <p:nvPr/>
         </p:nvSpPr>
         <p:spPr>
-          <a:xfrm rot="0">
+          <a:xfrm>
             <a:off x="1659472" y="4518850"/>
             <a:ext cx="6276929" cy="1672590"/>
           </a:xfrm>
@@ -6295,7 +6475,7 @@
           </a:prstGeom>
         </p:spPr>
         <p:txBody>
-          <a:bodyPr anchor="t" rtlCol="false" tIns="0" lIns="0" bIns="0" rIns="0">
+          <a:bodyPr lIns="0" tIns="0" rIns="0" bIns="0" rtlCol="0" anchor="t">
             <a:spAutoFit/>
           </a:bodyPr>
           <a:lstStyle/>
@@ -6305,9 +6485,10 @@
                 <a:spcPts val="3359"/>
               </a:lnSpc>
             </a:pPr>
-          </a:p>
-          <a:p>
-            <a:pPr algn="l" marL="518158" indent="-259079" lvl="1">
+            <a:endParaRPr/>
+          </a:p>
+          <a:p>
+            <a:pPr marL="518158" lvl="1" indent="-259079" algn="l">
               <a:lnSpc>
                 <a:spcPts val="3359"/>
               </a:lnSpc>
@@ -6325,7 +6506,7 @@
             </a:r>
           </a:p>
           <a:p>
-            <a:pPr algn="l" marL="518158" indent="-259079" lvl="1">
+            <a:pPr marL="518158" lvl="1" indent="-259079" algn="l">
               <a:lnSpc>
                 <a:spcPts val="3359"/>
               </a:lnSpc>
@@ -6343,7 +6524,7 @@
             </a:r>
           </a:p>
           <a:p>
-            <a:pPr algn="l" marL="518158" indent="-259079" lvl="1">
+            <a:pPr marL="518158" lvl="1" indent="-259079" algn="l">
               <a:lnSpc>
                 <a:spcPts val="3359"/>
               </a:lnSpc>
@@ -6364,12 +6545,12 @@
       </p:sp>
       <p:sp>
         <p:nvSpPr>
-          <p:cNvPr name="TextBox 4" id="4"/>
-          <p:cNvSpPr txBox="true"/>
+          <p:cNvPr id="4" name="TextBox 4"/>
+          <p:cNvSpPr txBox="1"/>
           <p:nvPr/>
         </p:nvSpPr>
         <p:spPr>
-          <a:xfrm rot="0">
+          <a:xfrm>
             <a:off x="10126944" y="3439986"/>
             <a:ext cx="6023474" cy="981075"/>
           </a:xfrm>
@@ -6378,7 +6559,7 @@
           </a:prstGeom>
         </p:spPr>
         <p:txBody>
-          <a:bodyPr anchor="t" rtlCol="false" tIns="0" lIns="0" bIns="0" rIns="0">
+          <a:bodyPr lIns="0" tIns="0" rIns="0" bIns="0" rtlCol="0" anchor="t">
             <a:spAutoFit/>
           </a:bodyPr>
           <a:lstStyle/>
@@ -6402,12 +6583,12 @@
       </p:sp>
       <p:sp>
         <p:nvSpPr>
-          <p:cNvPr name="TextBox 5" id="5"/>
-          <p:cNvSpPr txBox="true"/>
+          <p:cNvPr id="5" name="TextBox 5"/>
+          <p:cNvSpPr txBox="1"/>
           <p:nvPr/>
         </p:nvSpPr>
         <p:spPr>
-          <a:xfrm rot="0">
+          <a:xfrm>
             <a:off x="10126944" y="4890579"/>
             <a:ext cx="6023474" cy="1252992"/>
           </a:xfrm>
@@ -6416,12 +6597,12 @@
           </a:prstGeom>
         </p:spPr>
         <p:txBody>
-          <a:bodyPr anchor="t" rtlCol="false" tIns="0" lIns="0" bIns="0" rIns="0">
+          <a:bodyPr lIns="0" tIns="0" rIns="0" bIns="0" rtlCol="0" anchor="t">
             <a:spAutoFit/>
           </a:bodyPr>
           <a:lstStyle/>
           <a:p>
-            <a:pPr algn="l" marL="520318" indent="-260159" lvl="1">
+            <a:pPr marL="520318" lvl="1" indent="-260159" algn="l">
               <a:lnSpc>
                 <a:spcPts val="3373"/>
               </a:lnSpc>
@@ -6435,20 +6616,11 @@
                 </a:solidFill>
                 <a:latin typeface="MediaPro Light"/>
               </a:rPr>
-              <a:t>OBJETIVO INDEFINIDO</a:t>
-            </a:r>
-            <a:r>
-              <a:rPr lang="en-US" sz="2409" spc="226">
-                <a:solidFill>
-                  <a:srgbClr val="FFFFFF"/>
-                </a:solidFill>
-                <a:latin typeface="MediaPro Light"/>
-              </a:rPr>
-              <a:t> </a:t>
-            </a:r>
-          </a:p>
-          <a:p>
-            <a:pPr algn="l" marL="520318" indent="-260159" lvl="1">
+              <a:t>OBJETIVO INDEFINIDO </a:t>
+            </a:r>
+          </a:p>
+          <a:p>
+            <a:pPr marL="520318" lvl="1" indent="-260159" algn="l">
               <a:lnSpc>
                 <a:spcPts val="3373"/>
               </a:lnSpc>
@@ -6471,17 +6643,23 @@
                 <a:spcPts val="3373"/>
               </a:lnSpc>
             </a:pPr>
-          </a:p>
-        </p:txBody>
-      </p:sp>
-      <p:sp>
-        <p:nvSpPr>
-          <p:cNvPr name="Freeform 6" id="6"/>
+            <a:endParaRPr lang="en-US" sz="2409" spc="226">
+              <a:solidFill>
+                <a:srgbClr val="FFFFFF"/>
+              </a:solidFill>
+              <a:latin typeface="MediaPro Light"/>
+            </a:endParaRPr>
+          </a:p>
+        </p:txBody>
+      </p:sp>
+      <p:sp>
+        <p:nvSpPr>
+          <p:cNvPr id="6" name="Freeform 6"/>
           <p:cNvSpPr/>
           <p:nvPr/>
         </p:nvSpPr>
         <p:spPr>
-          <a:xfrm flipH="false" flipV="false" rot="0">
+          <a:xfrm>
             <a:off x="0" y="-963412"/>
             <a:ext cx="4597438" cy="2842053"/>
           </a:xfrm>
@@ -6490,9 +6668,9 @@
             <a:gdLst/>
             <a:ahLst/>
             <a:cxnLst/>
-            <a:rect r="r" b="b" t="t" l="l"/>
+            <a:rect l="l" t="t" r="r" b="b"/>
             <a:pathLst>
-              <a:path h="2842053" w="4597438">
+              <a:path w="4597438" h="2842053">
                 <a:moveTo>
                   <a:pt x="0" y="0"/>
                 </a:moveTo>
@@ -6516,24 +6694,24 @@
             <a:blip r:embed="rId2">
               <a:extLst>
                 <a:ext uri="{96DAC541-7B7A-43D3-8B79-37D633B846F1}">
-                  <asvg:svgBlip xmlns:asvg="http://schemas.microsoft.com/office/drawing/2016/SVG/main" r:embed="rId3"/>
+                  <asvg:svgBlip xmlns:asvg="http://schemas.microsoft.com/office/drawing/2016/SVG/main" xmlns="" r:embed="rId3"/>
                 </a:ext>
               </a:extLst>
             </a:blip>
             <a:stretch>
-              <a:fillRect l="0" t="0" r="0" b="0"/>
+              <a:fillRect/>
             </a:stretch>
           </a:blipFill>
         </p:spPr>
       </p:sp>
       <p:sp>
         <p:nvSpPr>
-          <p:cNvPr name="Freeform 7" id="7"/>
+          <p:cNvPr id="7" name="Freeform 7"/>
           <p:cNvSpPr/>
           <p:nvPr/>
         </p:nvSpPr>
         <p:spPr>
-          <a:xfrm flipH="true" flipV="false" rot="0">
+          <a:xfrm flipH="1">
             <a:off x="10551837" y="390596"/>
             <a:ext cx="2076668" cy="1276207"/>
           </a:xfrm>
@@ -6542,9 +6720,9 @@
             <a:gdLst/>
             <a:ahLst/>
             <a:cxnLst/>
-            <a:rect r="r" b="b" t="t" l="l"/>
+            <a:rect l="l" t="t" r="r" b="b"/>
             <a:pathLst>
-              <a:path h="1276207" w="2076668">
+              <a:path w="2076668" h="1276207">
                 <a:moveTo>
                   <a:pt x="2076668" y="0"/>
                 </a:moveTo>
@@ -6568,24 +6746,24 @@
             <a:blip r:embed="rId4">
               <a:extLst>
                 <a:ext uri="{96DAC541-7B7A-43D3-8B79-37D633B846F1}">
-                  <asvg:svgBlip xmlns:asvg="http://schemas.microsoft.com/office/drawing/2016/SVG/main" r:embed="rId5"/>
+                  <asvg:svgBlip xmlns:asvg="http://schemas.microsoft.com/office/drawing/2016/SVG/main" xmlns="" r:embed="rId5"/>
                 </a:ext>
               </a:extLst>
             </a:blip>
             <a:stretch>
-              <a:fillRect l="0" t="0" r="0" b="0"/>
+              <a:fillRect/>
             </a:stretch>
           </a:blipFill>
         </p:spPr>
       </p:sp>
       <p:sp>
         <p:nvSpPr>
-          <p:cNvPr name="Freeform 8" id="8"/>
+          <p:cNvPr id="8" name="Freeform 8"/>
           <p:cNvSpPr/>
           <p:nvPr/>
         </p:nvSpPr>
         <p:spPr>
-          <a:xfrm flipH="false" flipV="false" rot="0">
+          <a:xfrm>
             <a:off x="13138681" y="-2447996"/>
             <a:ext cx="3837986" cy="4114800"/>
           </a:xfrm>
@@ -6594,9 +6772,9 @@
             <a:gdLst/>
             <a:ahLst/>
             <a:cxnLst/>
-            <a:rect r="r" b="b" t="t" l="l"/>
+            <a:rect l="l" t="t" r="r" b="b"/>
             <a:pathLst>
-              <a:path h="4114800" w="3837986">
+              <a:path w="3837986" h="4114800">
                 <a:moveTo>
                   <a:pt x="0" y="0"/>
                 </a:moveTo>
@@ -6620,24 +6798,24 @@
             <a:blip r:embed="rId6">
               <a:extLst>
                 <a:ext uri="{96DAC541-7B7A-43D3-8B79-37D633B846F1}">
-                  <asvg:svgBlip xmlns:asvg="http://schemas.microsoft.com/office/drawing/2016/SVG/main" r:embed="rId7"/>
+                  <asvg:svgBlip xmlns:asvg="http://schemas.microsoft.com/office/drawing/2016/SVG/main" xmlns="" r:embed="rId7"/>
                 </a:ext>
               </a:extLst>
             </a:blip>
             <a:stretch>
-              <a:fillRect l="0" t="0" r="0" b="0"/>
+              <a:fillRect/>
             </a:stretch>
           </a:blipFill>
         </p:spPr>
       </p:sp>
       <p:sp>
         <p:nvSpPr>
-          <p:cNvPr name="Freeform 9" id="9"/>
+          <p:cNvPr id="9" name="Freeform 9"/>
           <p:cNvSpPr/>
           <p:nvPr/>
         </p:nvSpPr>
         <p:spPr>
-          <a:xfrm flipH="false" flipV="false" rot="0">
+          <a:xfrm>
             <a:off x="4994246" y="-3759204"/>
             <a:ext cx="5357753" cy="5591583"/>
           </a:xfrm>
@@ -6646,9 +6824,9 @@
             <a:gdLst/>
             <a:ahLst/>
             <a:cxnLst/>
-            <a:rect r="r" b="b" t="t" l="l"/>
+            <a:rect l="l" t="t" r="r" b="b"/>
             <a:pathLst>
-              <a:path h="5591583" w="5357753">
+              <a:path w="5357753" h="5591583">
                 <a:moveTo>
                   <a:pt x="0" y="0"/>
                 </a:moveTo>
@@ -6672,12 +6850,12 @@
             <a:blip r:embed="rId8">
               <a:extLst>
                 <a:ext uri="{96DAC541-7B7A-43D3-8B79-37D633B846F1}">
-                  <asvg:svgBlip xmlns:asvg="http://schemas.microsoft.com/office/drawing/2016/SVG/main" r:embed="rId9"/>
+                  <asvg:svgBlip xmlns:asvg="http://schemas.microsoft.com/office/drawing/2016/SVG/main" xmlns="" r:embed="rId9"/>
                 </a:ext>
               </a:extLst>
             </a:blip>
             <a:stretch>
-              <a:fillRect l="0" t="0" r="0" b="0"/>
+              <a:fillRect/>
             </a:stretch>
           </a:blipFill>
         </p:spPr>
@@ -6687,17 +6865,25 @@
   <p:clrMapOvr>
     <a:masterClrMapping/>
   </p:clrMapOvr>
+  <p:timing>
+    <p:tnLst>
+      <p:par>
+        <p:cTn id="1" dur="indefinite" restart="never" nodeType="tmRoot"/>
+      </p:par>
+    </p:tnLst>
+  </p:timing>
 </p:sld>
 </file>
 
 <file path=ppt/slides/slide7.xml><?xml version="1.0" encoding="utf-8"?>
-<p:sld xmlns:p="http://schemas.openxmlformats.org/presentationml/2006/main" xmlns:a="http://schemas.openxmlformats.org/drawingml/2006/main" xmlns:r="http://schemas.openxmlformats.org/officeDocument/2006/relationships">
+<p:sld xmlns:a="http://schemas.openxmlformats.org/drawingml/2006/main" xmlns:r="http://schemas.openxmlformats.org/officeDocument/2006/relationships" xmlns:p="http://schemas.openxmlformats.org/presentationml/2006/main">
   <p:cSld>
     <p:bg>
       <p:bgPr>
         <a:solidFill>
           <a:srgbClr val="202E32"/>
         </a:solidFill>
+        <a:effectLst/>
       </p:bgPr>
     </p:bg>
     <p:spTree>
@@ -6716,12 +6902,12 @@
       </p:grpSpPr>
       <p:grpSp>
         <p:nvGrpSpPr>
-          <p:cNvPr name="Group 2" id="2"/>
+          <p:cNvPr id="2" name="Group 2"/>
           <p:cNvGrpSpPr/>
           <p:nvPr/>
         </p:nvGrpSpPr>
         <p:grpSpPr>
-          <a:xfrm rot="0">
+          <a:xfrm>
             <a:off x="1526102" y="2124869"/>
             <a:ext cx="10578305" cy="6054344"/>
             <a:chOff x="0" y="0"/>
@@ -6730,12 +6916,12 @@
         </p:grpSpPr>
         <p:sp>
           <p:nvSpPr>
-            <p:cNvPr name="TextBox 3" id="3"/>
-            <p:cNvSpPr txBox="true"/>
+            <p:cNvPr id="3" name="TextBox 3"/>
+            <p:cNvSpPr txBox="1"/>
             <p:nvPr/>
           </p:nvSpPr>
           <p:spPr>
-            <a:xfrm rot="0">
+            <a:xfrm>
               <a:off x="0" y="257175"/>
               <a:ext cx="14104407" cy="6029325"/>
             </a:xfrm>
@@ -6744,7 +6930,7 @@
             </a:prstGeom>
           </p:spPr>
           <p:txBody>
-            <a:bodyPr anchor="t" rtlCol="false" tIns="0" lIns="0" bIns="0" rIns="0">
+            <a:bodyPr lIns="0" tIns="0" rIns="0" bIns="0" rtlCol="0" anchor="t">
               <a:spAutoFit/>
             </a:bodyPr>
             <a:lstStyle/>
@@ -6768,12 +6954,12 @@
         </p:sp>
         <p:sp>
           <p:nvSpPr>
-            <p:cNvPr name="TextBox 4" id="4"/>
-            <p:cNvSpPr txBox="true"/>
+            <p:cNvPr id="4" name="TextBox 4"/>
+            <p:cNvSpPr txBox="1"/>
             <p:nvPr/>
           </p:nvSpPr>
           <p:spPr>
-            <a:xfrm rot="0">
+            <a:xfrm>
               <a:off x="0" y="7451725"/>
               <a:ext cx="14104407" cy="620734"/>
             </a:xfrm>
@@ -6782,7 +6968,7 @@
             </a:prstGeom>
           </p:spPr>
           <p:txBody>
-            <a:bodyPr anchor="t" rtlCol="false" tIns="0" lIns="0" bIns="0" rIns="0">
+            <a:bodyPr lIns="0" tIns="0" rIns="0" bIns="0" rtlCol="0" anchor="t">
               <a:spAutoFit/>
             </a:bodyPr>
             <a:lstStyle/>
@@ -6792,18 +6978,19 @@
                   <a:spcPts val="3870"/>
                 </a:lnSpc>
               </a:pPr>
+              <a:endParaRPr/>
             </a:p>
           </p:txBody>
         </p:sp>
       </p:grpSp>
       <p:sp>
         <p:nvSpPr>
-          <p:cNvPr name="Freeform 5" id="5"/>
+          <p:cNvPr id="5" name="Freeform 5"/>
           <p:cNvSpPr/>
           <p:nvPr/>
         </p:nvSpPr>
         <p:spPr>
-          <a:xfrm flipH="false" flipV="false" rot="0">
+          <a:xfrm>
             <a:off x="13001822" y="1710976"/>
             <a:ext cx="3662625" cy="5642699"/>
           </a:xfrm>
@@ -6812,9 +6999,9 @@
             <a:gdLst/>
             <a:ahLst/>
             <a:cxnLst/>
-            <a:rect r="r" b="b" t="t" l="l"/>
+            <a:rect l="l" t="t" r="r" b="b"/>
             <a:pathLst>
-              <a:path h="5642699" w="3662625">
+              <a:path w="3662625" h="5642699">
                 <a:moveTo>
                   <a:pt x="0" y="0"/>
                 </a:moveTo>
@@ -6838,12 +7025,12 @@
             <a:blip r:embed="rId2">
               <a:extLst>
                 <a:ext uri="{96DAC541-7B7A-43D3-8B79-37D633B846F1}">
-                  <asvg:svgBlip xmlns:asvg="http://schemas.microsoft.com/office/drawing/2016/SVG/main" r:embed="rId3"/>
+                  <asvg:svgBlip xmlns:asvg="http://schemas.microsoft.com/office/drawing/2016/SVG/main" xmlns="" r:embed="rId3"/>
                 </a:ext>
               </a:extLst>
             </a:blip>
             <a:stretch>
-              <a:fillRect l="0" t="0" r="0" b="0"/>
+              <a:fillRect/>
             </a:stretch>
           </a:blipFill>
         </p:spPr>
